--- a/信心的等待.pptx
+++ b/信心的等待.pptx
@@ -2,7 +2,7 @@
 <file path=ppt/presentation.xml><?xml version="1.0" encoding="utf-8"?>
 <p:presentation xmlns:a="http://schemas.openxmlformats.org/drawingml/2006/main" xmlns:r="http://schemas.openxmlformats.org/officeDocument/2006/relationships" xmlns:p="http://schemas.openxmlformats.org/presentationml/2006/main" saveSubsetFonts="1">
   <p:sldMasterIdLst>
-    <p:sldMasterId id="2147483648" r:id="rId1"/>
+    <p:sldMasterId id="2147483660" r:id="rId1"/>
   </p:sldMasterIdLst>
   <p:sldIdLst>
     <p:sldId id="257" r:id="rId2"/>
@@ -10,7 +10,7 @@
     <p:sldId id="259" r:id="rId4"/>
     <p:sldId id="260" r:id="rId5"/>
   </p:sldIdLst>
-  <p:sldSz cx="9144000" cy="6858000" type="screen4x3"/>
+  <p:sldSz cx="9144000" cy="5143500" type="screen16x9"/>
   <p:notesSz cx="6858000" cy="9144000"/>
   <p:defaultTextStyle>
     <a:defPPr>
@@ -139,8 +139,8 @@
         </p:nvSpPr>
         <p:spPr>
           <a:xfrm>
-            <a:off x="685800" y="2130425"/>
-            <a:ext cx="7772400" cy="1470025"/>
+            <a:off x="685800" y="1597819"/>
+            <a:ext cx="7772400" cy="1102519"/>
           </a:xfrm>
         </p:spPr>
         <p:txBody>
@@ -167,8 +167,8 @@
         </p:nvSpPr>
         <p:spPr>
           <a:xfrm>
-            <a:off x="1371600" y="3886200"/>
-            <a:ext cx="6400800" cy="1752600"/>
+            <a:off x="1371600" y="2914650"/>
+            <a:ext cx="6400800" cy="1314450"/>
           </a:xfrm>
         </p:spPr>
         <p:txBody>
@@ -292,7 +292,7 @@
             <a:fld id="{4E38DB0F-C43F-4C1F-B6F0-7BD3377B547F}" type="datetimeFigureOut">
               <a:rPr lang="zh-TW" altLang="en-US" smtClean="0"/>
               <a:pPr/>
-              <a:t>2018/8/21</a:t>
+              <a:t>2020/6/16</a:t>
             </a:fld>
             <a:endParaRPr lang="zh-TW" altLang="en-US"/>
           </a:p>
@@ -459,7 +459,7 @@
             <a:fld id="{4E38DB0F-C43F-4C1F-B6F0-7BD3377B547F}" type="datetimeFigureOut">
               <a:rPr lang="zh-TW" altLang="en-US" smtClean="0"/>
               <a:pPr/>
-              <a:t>2018/8/21</a:t>
+              <a:t>2020/6/16</a:t>
             </a:fld>
             <a:endParaRPr lang="zh-TW" altLang="en-US"/>
           </a:p>
@@ -545,8 +545,8 @@
         </p:nvSpPr>
         <p:spPr>
           <a:xfrm>
-            <a:off x="6629400" y="274638"/>
-            <a:ext cx="2057400" cy="5851525"/>
+            <a:off x="6629400" y="205979"/>
+            <a:ext cx="2057400" cy="4388644"/>
           </a:xfrm>
         </p:spPr>
         <p:txBody>
@@ -573,8 +573,8 @@
         </p:nvSpPr>
         <p:spPr>
           <a:xfrm>
-            <a:off x="457200" y="274638"/>
-            <a:ext cx="6019800" cy="5851525"/>
+            <a:off x="457200" y="205979"/>
+            <a:ext cx="6019800" cy="4388644"/>
           </a:xfrm>
         </p:spPr>
         <p:txBody>
@@ -636,7 +636,7 @@
             <a:fld id="{4E38DB0F-C43F-4C1F-B6F0-7BD3377B547F}" type="datetimeFigureOut">
               <a:rPr lang="zh-TW" altLang="en-US" smtClean="0"/>
               <a:pPr/>
-              <a:t>2018/8/21</a:t>
+              <a:t>2020/6/16</a:t>
             </a:fld>
             <a:endParaRPr lang="zh-TW" altLang="en-US"/>
           </a:p>
@@ -803,7 +803,7 @@
             <a:fld id="{4E38DB0F-C43F-4C1F-B6F0-7BD3377B547F}" type="datetimeFigureOut">
               <a:rPr lang="zh-TW" altLang="en-US" smtClean="0"/>
               <a:pPr/>
-              <a:t>2018/8/21</a:t>
+              <a:t>2020/6/16</a:t>
             </a:fld>
             <a:endParaRPr lang="zh-TW" altLang="en-US"/>
           </a:p>
@@ -889,8 +889,8 @@
         </p:nvSpPr>
         <p:spPr>
           <a:xfrm>
-            <a:off x="722313" y="4406900"/>
-            <a:ext cx="7772400" cy="1362075"/>
+            <a:off x="722313" y="3305176"/>
+            <a:ext cx="7772400" cy="1021556"/>
           </a:xfrm>
         </p:spPr>
         <p:txBody>
@@ -921,8 +921,8 @@
         </p:nvSpPr>
         <p:spPr>
           <a:xfrm>
-            <a:off x="722313" y="2906713"/>
-            <a:ext cx="7772400" cy="1500187"/>
+            <a:off x="722313" y="2180035"/>
+            <a:ext cx="7772400" cy="1125140"/>
           </a:xfrm>
         </p:spPr>
         <p:txBody>
@@ -1046,7 +1046,7 @@
             <a:fld id="{4E38DB0F-C43F-4C1F-B6F0-7BD3377B547F}" type="datetimeFigureOut">
               <a:rPr lang="zh-TW" altLang="en-US" smtClean="0"/>
               <a:pPr/>
-              <a:t>2018/8/21</a:t>
+              <a:t>2020/6/16</a:t>
             </a:fld>
             <a:endParaRPr lang="zh-TW" altLang="en-US"/>
           </a:p>
@@ -1155,8 +1155,8 @@
         </p:nvSpPr>
         <p:spPr>
           <a:xfrm>
-            <a:off x="457200" y="1600200"/>
-            <a:ext cx="4038600" cy="4525963"/>
+            <a:off x="457200" y="1200151"/>
+            <a:ext cx="4038600" cy="3394472"/>
           </a:xfrm>
         </p:spPr>
         <p:txBody>
@@ -1240,8 +1240,8 @@
         </p:nvSpPr>
         <p:spPr>
           <a:xfrm>
-            <a:off x="4648200" y="1600200"/>
-            <a:ext cx="4038600" cy="4525963"/>
+            <a:off x="4648200" y="1200151"/>
+            <a:ext cx="4038600" cy="3394472"/>
           </a:xfrm>
         </p:spPr>
         <p:txBody>
@@ -1331,7 +1331,7 @@
             <a:fld id="{4E38DB0F-C43F-4C1F-B6F0-7BD3377B547F}" type="datetimeFigureOut">
               <a:rPr lang="zh-TW" altLang="en-US" smtClean="0"/>
               <a:pPr/>
-              <a:t>2018/8/21</a:t>
+              <a:t>2020/6/16</a:t>
             </a:fld>
             <a:endParaRPr lang="zh-TW" altLang="en-US"/>
           </a:p>
@@ -1444,8 +1444,8 @@
         </p:nvSpPr>
         <p:spPr>
           <a:xfrm>
-            <a:off x="457200" y="1535113"/>
-            <a:ext cx="4040188" cy="639762"/>
+            <a:off x="457200" y="1151335"/>
+            <a:ext cx="4040188" cy="479822"/>
           </a:xfrm>
         </p:spPr>
         <p:txBody>
@@ -1509,8 +1509,8 @@
         </p:nvSpPr>
         <p:spPr>
           <a:xfrm>
-            <a:off x="457200" y="2174875"/>
-            <a:ext cx="4040188" cy="3951288"/>
+            <a:off x="457200" y="1631156"/>
+            <a:ext cx="4040188" cy="2963466"/>
           </a:xfrm>
         </p:spPr>
         <p:txBody>
@@ -1594,8 +1594,8 @@
         </p:nvSpPr>
         <p:spPr>
           <a:xfrm>
-            <a:off x="4645025" y="1535113"/>
-            <a:ext cx="4041775" cy="639762"/>
+            <a:off x="4645026" y="1151335"/>
+            <a:ext cx="4041775" cy="479822"/>
           </a:xfrm>
         </p:spPr>
         <p:txBody>
@@ -1659,8 +1659,8 @@
         </p:nvSpPr>
         <p:spPr>
           <a:xfrm>
-            <a:off x="4645025" y="2174875"/>
-            <a:ext cx="4041775" cy="3951288"/>
+            <a:off x="4645026" y="1631156"/>
+            <a:ext cx="4041775" cy="2963466"/>
           </a:xfrm>
         </p:spPr>
         <p:txBody>
@@ -1750,7 +1750,7 @@
             <a:fld id="{4E38DB0F-C43F-4C1F-B6F0-7BD3377B547F}" type="datetimeFigureOut">
               <a:rPr lang="zh-TW" altLang="en-US" smtClean="0"/>
               <a:pPr/>
-              <a:t>2018/8/21</a:t>
+              <a:t>2020/6/16</a:t>
             </a:fld>
             <a:endParaRPr lang="zh-TW" altLang="en-US"/>
           </a:p>
@@ -1865,7 +1865,7 @@
             <a:fld id="{4E38DB0F-C43F-4C1F-B6F0-7BD3377B547F}" type="datetimeFigureOut">
               <a:rPr lang="zh-TW" altLang="en-US" smtClean="0"/>
               <a:pPr/>
-              <a:t>2018/8/21</a:t>
+              <a:t>2020/6/16</a:t>
             </a:fld>
             <a:endParaRPr lang="zh-TW" altLang="en-US"/>
           </a:p>
@@ -1957,7 +1957,7 @@
             <a:fld id="{4E38DB0F-C43F-4C1F-B6F0-7BD3377B547F}" type="datetimeFigureOut">
               <a:rPr lang="zh-TW" altLang="en-US" smtClean="0"/>
               <a:pPr/>
-              <a:t>2018/8/21</a:t>
+              <a:t>2020/6/16</a:t>
             </a:fld>
             <a:endParaRPr lang="zh-TW" altLang="en-US"/>
           </a:p>
@@ -2043,8 +2043,8 @@
         </p:nvSpPr>
         <p:spPr>
           <a:xfrm>
-            <a:off x="457200" y="273050"/>
-            <a:ext cx="3008313" cy="1162050"/>
+            <a:off x="457201" y="204787"/>
+            <a:ext cx="3008313" cy="871538"/>
           </a:xfrm>
         </p:spPr>
         <p:txBody>
@@ -2075,8 +2075,8 @@
         </p:nvSpPr>
         <p:spPr>
           <a:xfrm>
-            <a:off x="3575050" y="273050"/>
-            <a:ext cx="5111750" cy="5853113"/>
+            <a:off x="3575050" y="204788"/>
+            <a:ext cx="5111750" cy="4389835"/>
           </a:xfrm>
         </p:spPr>
         <p:txBody>
@@ -2160,8 +2160,8 @@
         </p:nvSpPr>
         <p:spPr>
           <a:xfrm>
-            <a:off x="457200" y="1435100"/>
-            <a:ext cx="3008313" cy="4691063"/>
+            <a:off x="457201" y="1076326"/>
+            <a:ext cx="3008313" cy="3518297"/>
           </a:xfrm>
         </p:spPr>
         <p:txBody>
@@ -2231,7 +2231,7 @@
             <a:fld id="{4E38DB0F-C43F-4C1F-B6F0-7BD3377B547F}" type="datetimeFigureOut">
               <a:rPr lang="zh-TW" altLang="en-US" smtClean="0"/>
               <a:pPr/>
-              <a:t>2018/8/21</a:t>
+              <a:t>2020/6/16</a:t>
             </a:fld>
             <a:endParaRPr lang="zh-TW" altLang="en-US"/>
           </a:p>
@@ -2317,8 +2317,8 @@
         </p:nvSpPr>
         <p:spPr>
           <a:xfrm>
-            <a:off x="1792288" y="4800600"/>
-            <a:ext cx="5486400" cy="566738"/>
+            <a:off x="1792288" y="3600450"/>
+            <a:ext cx="5486400" cy="425054"/>
           </a:xfrm>
         </p:spPr>
         <p:txBody>
@@ -2349,8 +2349,8 @@
         </p:nvSpPr>
         <p:spPr>
           <a:xfrm>
-            <a:off x="1792288" y="612775"/>
-            <a:ext cx="5486400" cy="4114800"/>
+            <a:off x="1792288" y="459581"/>
+            <a:ext cx="5486400" cy="3086100"/>
           </a:xfrm>
         </p:spPr>
         <p:txBody>
@@ -2394,6 +2394,10 @@
             </a:lvl9pPr>
           </a:lstStyle>
           <a:p>
+            <a:r>
+              <a:rPr lang="zh-TW" altLang="en-US" smtClean="0"/>
+              <a:t>按一下圖示以新增圖片</a:t>
+            </a:r>
             <a:endParaRPr lang="zh-TW" altLang="en-US"/>
           </a:p>
         </p:txBody>
@@ -2410,8 +2414,8 @@
         </p:nvSpPr>
         <p:spPr>
           <a:xfrm>
-            <a:off x="1792288" y="5367338"/>
-            <a:ext cx="5486400" cy="804862"/>
+            <a:off x="1792288" y="4025503"/>
+            <a:ext cx="5486400" cy="603647"/>
           </a:xfrm>
         </p:spPr>
         <p:txBody>
@@ -2481,7 +2485,7 @@
             <a:fld id="{4E38DB0F-C43F-4C1F-B6F0-7BD3377B547F}" type="datetimeFigureOut">
               <a:rPr lang="zh-TW" altLang="en-US" smtClean="0"/>
               <a:pPr/>
-              <a:t>2018/8/21</a:t>
+              <a:t>2020/6/16</a:t>
             </a:fld>
             <a:endParaRPr lang="zh-TW" altLang="en-US"/>
           </a:p>
@@ -2542,9 +2546,14 @@
 <p:sldMaster xmlns:a="http://schemas.openxmlformats.org/drawingml/2006/main" xmlns:r="http://schemas.openxmlformats.org/officeDocument/2006/relationships" xmlns:p="http://schemas.openxmlformats.org/presentationml/2006/main">
   <p:cSld>
     <p:bg>
-      <p:bgRef idx="1001">
-        <a:schemeClr val="bg1"/>
-      </p:bgRef>
+      <p:bgPr>
+        <a:blipFill dpi="0" rotWithShape="1">
+          <a:blip r:embed="rId13"/>
+          <a:srcRect/>
+          <a:tile tx="0" ty="0" sx="100000" sy="100000" flip="none" algn="tl"/>
+        </a:blipFill>
+        <a:effectLst/>
+      </p:bgPr>
     </p:bg>
     <p:spTree>
       <p:nvGrpSpPr>
@@ -2572,8 +2581,8 @@
         </p:nvSpPr>
         <p:spPr>
           <a:xfrm>
-            <a:off x="457200" y="274638"/>
-            <a:ext cx="8229600" cy="1143000"/>
+            <a:off x="457200" y="205978"/>
+            <a:ext cx="8229600" cy="857250"/>
           </a:xfrm>
           <a:prstGeom prst="rect">
             <a:avLst/>
@@ -2605,8 +2614,8 @@
         </p:nvSpPr>
         <p:spPr>
           <a:xfrm>
-            <a:off x="457200" y="1600200"/>
-            <a:ext cx="8229600" cy="4525963"/>
+            <a:off x="457200" y="1200151"/>
+            <a:ext cx="8229600" cy="3394472"/>
           </a:xfrm>
           <a:prstGeom prst="rect">
             <a:avLst/>
@@ -2667,8 +2676,8 @@
         </p:nvSpPr>
         <p:spPr>
           <a:xfrm>
-            <a:off x="457200" y="6356350"/>
-            <a:ext cx="2133600" cy="365125"/>
+            <a:off x="457200" y="4767263"/>
+            <a:ext cx="2133600" cy="273844"/>
           </a:xfrm>
           <a:prstGeom prst="rect">
             <a:avLst/>
@@ -2691,7 +2700,7 @@
             <a:fld id="{4E38DB0F-C43F-4C1F-B6F0-7BD3377B547F}" type="datetimeFigureOut">
               <a:rPr lang="zh-TW" altLang="en-US" smtClean="0"/>
               <a:pPr/>
-              <a:t>2018/8/21</a:t>
+              <a:t>2020/6/16</a:t>
             </a:fld>
             <a:endParaRPr lang="zh-TW" altLang="en-US"/>
           </a:p>
@@ -2709,8 +2718,8 @@
         </p:nvSpPr>
         <p:spPr>
           <a:xfrm>
-            <a:off x="3124200" y="6356350"/>
-            <a:ext cx="2895600" cy="365125"/>
+            <a:off x="3124200" y="4767263"/>
+            <a:ext cx="2895600" cy="273844"/>
           </a:xfrm>
           <a:prstGeom prst="rect">
             <a:avLst/>
@@ -2746,8 +2755,8 @@
         </p:nvSpPr>
         <p:spPr>
           <a:xfrm>
-            <a:off x="6553200" y="6356350"/>
-            <a:ext cx="2133600" cy="365125"/>
+            <a:off x="6553200" y="4767263"/>
+            <a:ext cx="2133600" cy="273844"/>
           </a:xfrm>
           <a:prstGeom prst="rect">
             <a:avLst/>
@@ -2780,17 +2789,17 @@
   </p:cSld>
   <p:clrMap bg1="lt1" tx1="dk1" bg2="lt2" tx2="dk2" accent1="accent1" accent2="accent2" accent3="accent3" accent4="accent4" accent5="accent5" accent6="accent6" hlink="hlink" folHlink="folHlink"/>
   <p:sldLayoutIdLst>
-    <p:sldLayoutId id="2147483649" r:id="rId1"/>
-    <p:sldLayoutId id="2147483650" r:id="rId2"/>
-    <p:sldLayoutId id="2147483651" r:id="rId3"/>
-    <p:sldLayoutId id="2147483652" r:id="rId4"/>
-    <p:sldLayoutId id="2147483653" r:id="rId5"/>
-    <p:sldLayoutId id="2147483654" r:id="rId6"/>
-    <p:sldLayoutId id="2147483655" r:id="rId7"/>
-    <p:sldLayoutId id="2147483656" r:id="rId8"/>
-    <p:sldLayoutId id="2147483657" r:id="rId9"/>
-    <p:sldLayoutId id="2147483658" r:id="rId10"/>
-    <p:sldLayoutId id="2147483659" r:id="rId11"/>
+    <p:sldLayoutId id="2147483661" r:id="rId1"/>
+    <p:sldLayoutId id="2147483662" r:id="rId2"/>
+    <p:sldLayoutId id="2147483663" r:id="rId3"/>
+    <p:sldLayoutId id="2147483664" r:id="rId4"/>
+    <p:sldLayoutId id="2147483665" r:id="rId5"/>
+    <p:sldLayoutId id="2147483666" r:id="rId6"/>
+    <p:sldLayoutId id="2147483667" r:id="rId7"/>
+    <p:sldLayoutId id="2147483668" r:id="rId8"/>
+    <p:sldLayoutId id="2147483669" r:id="rId9"/>
+    <p:sldLayoutId id="2147483670" r:id="rId10"/>
+    <p:sldLayoutId id="2147483671" r:id="rId11"/>
   </p:sldLayoutIdLst>
   <p:txStyles>
     <p:titleStyle>
@@ -3099,13 +3108,13 @@
         </p:nvSpPr>
         <p:spPr>
           <a:xfrm>
-            <a:off x="457200" y="1600200"/>
-            <a:ext cx="8229600" cy="5257800"/>
+            <a:off x="457200" y="1200150"/>
+            <a:ext cx="8229600" cy="3943350"/>
           </a:xfrm>
         </p:spPr>
         <p:txBody>
           <a:bodyPr>
-            <a:normAutofit/>
+            <a:noAutofit/>
           </a:bodyPr>
           <a:lstStyle/>
           <a:p>
@@ -3113,20 +3122,20 @@
               <a:buNone/>
             </a:pPr>
             <a:r>
-              <a:rPr lang="zh-TW" altLang="en-US" sz="5400" b="1" dirty="0">
+              <a:rPr lang="zh-TW" altLang="en-US" sz="4400" b="1" dirty="0">
                 <a:latin typeface="微軟正黑體" pitchFamily="34" charset="-120"/>
                 <a:ea typeface="微軟正黑體" pitchFamily="34" charset="-120"/>
               </a:rPr>
               <a:t>明天怎麼你還是</a:t>
             </a:r>
             <a:r>
-              <a:rPr lang="zh-TW" altLang="en-US" sz="5400" b="1" dirty="0" smtClean="0">
+              <a:rPr lang="zh-TW" altLang="en-US" sz="4400" b="1" dirty="0" smtClean="0">
                 <a:latin typeface="微軟正黑體" pitchFamily="34" charset="-120"/>
                 <a:ea typeface="微軟正黑體" pitchFamily="34" charset="-120"/>
               </a:rPr>
               <a:t>不知道</a:t>
             </a:r>
-            <a:endParaRPr lang="en-US" altLang="zh-TW" sz="5400" b="1" dirty="0" smtClean="0">
+            <a:endParaRPr lang="en-US" altLang="zh-TW" sz="4400" b="1" dirty="0" smtClean="0">
               <a:latin typeface="微軟正黑體" pitchFamily="34" charset="-120"/>
               <a:ea typeface="微軟正黑體" pitchFamily="34" charset="-120"/>
             </a:endParaRPr>
@@ -3136,27 +3145,27 @@
               <a:buNone/>
             </a:pPr>
             <a:r>
-              <a:rPr lang="zh-TW" altLang="en-US" sz="5400" b="1" dirty="0" smtClean="0">
+              <a:rPr lang="zh-TW" altLang="en-US" sz="4400" b="1" dirty="0" smtClean="0">
                 <a:latin typeface="微軟正黑體" pitchFamily="34" charset="-120"/>
                 <a:ea typeface="微軟正黑體" pitchFamily="34" charset="-120"/>
               </a:rPr>
               <a:t>越</a:t>
             </a:r>
             <a:r>
-              <a:rPr lang="zh-TW" altLang="en-US" sz="5400" b="1" dirty="0">
+              <a:rPr lang="zh-TW" altLang="en-US" sz="4400" b="1" dirty="0">
                 <a:latin typeface="微軟正黑體" pitchFamily="34" charset="-120"/>
                 <a:ea typeface="微軟正黑體" pitchFamily="34" charset="-120"/>
               </a:rPr>
               <a:t>想得到的總會得</a:t>
             </a:r>
             <a:r>
-              <a:rPr lang="zh-TW" altLang="en-US" sz="5400" b="1" dirty="0" smtClean="0">
+              <a:rPr lang="zh-TW" altLang="en-US" sz="4400" b="1" dirty="0" smtClean="0">
                 <a:latin typeface="微軟正黑體" pitchFamily="34" charset="-120"/>
                 <a:ea typeface="微軟正黑體" pitchFamily="34" charset="-120"/>
               </a:rPr>
               <a:t>不到</a:t>
             </a:r>
-            <a:endParaRPr lang="en-US" altLang="zh-TW" sz="5400" b="1" dirty="0">
+            <a:endParaRPr lang="en-US" altLang="zh-TW" sz="4400" b="1" dirty="0">
               <a:latin typeface="微軟正黑體" pitchFamily="34" charset="-120"/>
               <a:ea typeface="微軟正黑體" pitchFamily="34" charset="-120"/>
             </a:endParaRPr>
@@ -3166,27 +3175,27 @@
               <a:buNone/>
             </a:pPr>
             <a:r>
-              <a:rPr lang="zh-TW" altLang="en-US" sz="5400" b="1" dirty="0" smtClean="0">
+              <a:rPr lang="zh-TW" altLang="en-US" sz="4400" b="1" dirty="0" smtClean="0">
                 <a:latin typeface="微軟正黑體" pitchFamily="34" charset="-120"/>
                 <a:ea typeface="微軟正黑體" pitchFamily="34" charset="-120"/>
               </a:rPr>
               <a:t>人</a:t>
             </a:r>
             <a:r>
-              <a:rPr lang="zh-TW" altLang="en-US" sz="5400" b="1" dirty="0">
+              <a:rPr lang="zh-TW" altLang="en-US" sz="4400" b="1" dirty="0">
                 <a:latin typeface="微軟正黑體" pitchFamily="34" charset="-120"/>
                 <a:ea typeface="微軟正黑體" pitchFamily="34" charset="-120"/>
               </a:rPr>
               <a:t>生就像一片</a:t>
             </a:r>
             <a:r>
-              <a:rPr lang="zh-TW" altLang="en-US" sz="5400" b="1" dirty="0" smtClean="0">
+              <a:rPr lang="zh-TW" altLang="en-US" sz="4400" b="1" dirty="0" smtClean="0">
                 <a:latin typeface="微軟正黑體" pitchFamily="34" charset="-120"/>
                 <a:ea typeface="微軟正黑體" pitchFamily="34" charset="-120"/>
               </a:rPr>
               <a:t>雲霧</a:t>
             </a:r>
-            <a:endParaRPr lang="en-US" altLang="zh-TW" sz="5400" b="1" dirty="0" smtClean="0">
+            <a:endParaRPr lang="en-US" altLang="zh-TW" sz="4400" b="1" dirty="0" smtClean="0">
               <a:latin typeface="微軟正黑體" pitchFamily="34" charset="-120"/>
               <a:ea typeface="微軟正黑體" pitchFamily="34" charset="-120"/>
             </a:endParaRPr>
@@ -3196,27 +3205,27 @@
               <a:buNone/>
             </a:pPr>
             <a:r>
-              <a:rPr lang="zh-TW" altLang="en-US" sz="5400" b="1" dirty="0" smtClean="0">
+              <a:rPr lang="zh-TW" altLang="en-US" sz="4400" b="1" dirty="0" smtClean="0">
                 <a:latin typeface="微軟正黑體" pitchFamily="34" charset="-120"/>
                 <a:ea typeface="微軟正黑體" pitchFamily="34" charset="-120"/>
               </a:rPr>
               <a:t>出現</a:t>
             </a:r>
             <a:r>
-              <a:rPr lang="zh-TW" altLang="en-US" sz="5400" b="1" dirty="0">
+              <a:rPr lang="zh-TW" altLang="en-US" sz="4400" b="1" dirty="0">
                 <a:latin typeface="微軟正黑體" pitchFamily="34" charset="-120"/>
                 <a:ea typeface="微軟正黑體" pitchFamily="34" charset="-120"/>
               </a:rPr>
               <a:t>少時就不</a:t>
             </a:r>
             <a:r>
-              <a:rPr lang="zh-TW" altLang="en-US" sz="5400" b="1" dirty="0" smtClean="0">
+              <a:rPr lang="zh-TW" altLang="en-US" sz="4400" b="1" dirty="0" smtClean="0">
                 <a:latin typeface="微軟正黑體" pitchFamily="34" charset="-120"/>
                 <a:ea typeface="微軟正黑體" pitchFamily="34" charset="-120"/>
               </a:rPr>
               <a:t>見到</a:t>
             </a:r>
-            <a:endParaRPr lang="en-US" altLang="zh-TW" sz="5400" b="1" dirty="0" smtClean="0">
+            <a:endParaRPr lang="en-US" altLang="zh-TW" sz="4400" b="1" dirty="0" smtClean="0">
               <a:latin typeface="微軟正黑體" pitchFamily="34" charset="-120"/>
               <a:ea typeface="微軟正黑體" pitchFamily="34" charset="-120"/>
             </a:endParaRPr>
@@ -3226,13 +3235,13 @@
               <a:buNone/>
             </a:pPr>
             <a:r>
-              <a:rPr lang="zh-TW" altLang="en-US" sz="5400" b="1" dirty="0" smtClean="0">
+              <a:rPr lang="zh-TW" altLang="en-US" sz="4400" b="1" dirty="0" smtClean="0">
                 <a:latin typeface="微軟正黑體" pitchFamily="34" charset="-120"/>
                 <a:ea typeface="微軟正黑體" pitchFamily="34" charset="-120"/>
               </a:rPr>
               <a:t>何必計較那得失終老</a:t>
             </a:r>
-            <a:endParaRPr lang="en-US" altLang="zh-TW" sz="5400" b="1" dirty="0" smtClean="0">
+            <a:endParaRPr lang="en-US" altLang="zh-TW" sz="4400" b="1" dirty="0" smtClean="0">
               <a:latin typeface="微軟正黑體" pitchFamily="34" charset="-120"/>
               <a:ea typeface="微軟正黑體" pitchFamily="34" charset="-120"/>
             </a:endParaRPr>
@@ -3241,7 +3250,7 @@
             <a:pPr algn="ctr">
               <a:buNone/>
             </a:pPr>
-            <a:endParaRPr lang="zh-TW" altLang="en-US" sz="5400" b="1" dirty="0">
+            <a:endParaRPr lang="zh-TW" altLang="en-US" sz="4400" b="1" dirty="0">
               <a:latin typeface="微軟正黑體" pitchFamily="34" charset="-120"/>
               <a:ea typeface="微軟正黑體" pitchFamily="34" charset="-120"/>
             </a:endParaRPr>
@@ -3319,20 +3328,20 @@
               <a:buNone/>
             </a:pPr>
             <a:r>
-              <a:rPr lang="zh-TW" altLang="en-US" sz="5400" b="1" dirty="0" smtClean="0">
+              <a:rPr lang="zh-TW" altLang="en-US" sz="4800" b="1" dirty="0" smtClean="0">
                 <a:latin typeface="微軟正黑體" pitchFamily="34" charset="-120"/>
                 <a:ea typeface="微軟正黑體" pitchFamily="34" charset="-120"/>
               </a:rPr>
               <a:t>在</a:t>
             </a:r>
             <a:r>
-              <a:rPr lang="zh-TW" altLang="en-US" sz="5400" b="1" dirty="0">
+              <a:rPr lang="zh-TW" altLang="en-US" sz="4800" b="1" dirty="0">
                 <a:latin typeface="微軟正黑體" pitchFamily="34" charset="-120"/>
                 <a:ea typeface="微軟正黑體" pitchFamily="34" charset="-120"/>
               </a:rPr>
               <a:t>這幽谷之中我宣告</a:t>
             </a:r>
-            <a:endParaRPr lang="en-US" altLang="zh-TW" sz="5400" b="1" dirty="0">
+            <a:endParaRPr lang="en-US" altLang="zh-TW" sz="4800" b="1" dirty="0">
               <a:latin typeface="微軟正黑體" pitchFamily="34" charset="-120"/>
               <a:ea typeface="微軟正黑體" pitchFamily="34" charset="-120"/>
             </a:endParaRPr>
@@ -3342,13 +3351,41 @@
               <a:buNone/>
             </a:pPr>
             <a:r>
-              <a:rPr lang="zh-TW" altLang="en-US" sz="5400" b="1" dirty="0">
-                <a:latin typeface="微軟正黑體" pitchFamily="34" charset="-120"/>
-                <a:ea typeface="微軟正黑體" pitchFamily="34" charset="-120"/>
-              </a:rPr>
-              <a:t>不必怕因有你同在</a:t>
-            </a:r>
-            <a:endParaRPr lang="en-US" altLang="zh-TW" sz="5400" b="1" dirty="0">
+              <a:rPr lang="zh-TW" altLang="en-US" sz="4800" b="1" dirty="0">
+                <a:latin typeface="微軟正黑體" pitchFamily="34" charset="-120"/>
+                <a:ea typeface="微軟正黑體" pitchFamily="34" charset="-120"/>
+              </a:rPr>
+              <a:t>不必怕因</a:t>
+            </a:r>
+            <a:r>
+              <a:rPr lang="zh-TW" altLang="en-US" sz="4800" b="1" dirty="0" smtClean="0">
+                <a:latin typeface="微軟正黑體" pitchFamily="34" charset="-120"/>
+                <a:ea typeface="微軟正黑體" pitchFamily="34" charset="-120"/>
+              </a:rPr>
+              <a:t>有</a:t>
+            </a:r>
+            <a:r>
+              <a:rPr lang="zh-CN" altLang="en-US" sz="4800" b="1" dirty="0" smtClean="0">
+                <a:latin typeface="微軟正黑體" pitchFamily="34" charset="-120"/>
+                <a:ea typeface="微軟正黑體" pitchFamily="34" charset="-120"/>
+              </a:rPr>
+              <a:t>袮</a:t>
+            </a:r>
+            <a:r>
+              <a:rPr lang="zh-TW" altLang="en-US" sz="4800" b="1" dirty="0" smtClean="0">
+                <a:latin typeface="微軟正黑體" pitchFamily="34" charset="-120"/>
+                <a:ea typeface="微軟正黑體" pitchFamily="34" charset="-120"/>
+              </a:rPr>
+              <a:t>同</a:t>
+            </a:r>
+            <a:r>
+              <a:rPr lang="zh-TW" altLang="en-US" sz="4800" b="1" dirty="0">
+                <a:latin typeface="微軟正黑體" pitchFamily="34" charset="-120"/>
+                <a:ea typeface="微軟正黑體" pitchFamily="34" charset="-120"/>
+              </a:rPr>
+              <a:t>在</a:t>
+            </a:r>
+            <a:endParaRPr lang="en-US" altLang="zh-TW" sz="4800" b="1" dirty="0">
               <a:latin typeface="微軟正黑體" pitchFamily="34" charset="-120"/>
               <a:ea typeface="微軟正黑體" pitchFamily="34" charset="-120"/>
             </a:endParaRPr>
@@ -3358,13 +3395,13 @@
               <a:buNone/>
             </a:pPr>
             <a:r>
-              <a:rPr lang="zh-TW" altLang="en-US" sz="5400" b="1" dirty="0">
+              <a:rPr lang="zh-TW" altLang="en-US" sz="4800" b="1" dirty="0">
                 <a:latin typeface="微軟正黑體" pitchFamily="34" charset="-120"/>
                 <a:ea typeface="微軟正黑體" pitchFamily="34" charset="-120"/>
               </a:rPr>
               <a:t>別人笑我為甚麼等待</a:t>
             </a:r>
-            <a:endParaRPr lang="en-US" altLang="zh-TW" sz="5400" b="1" dirty="0">
+            <a:endParaRPr lang="en-US" altLang="zh-TW" sz="4800" b="1" dirty="0">
               <a:latin typeface="微軟正黑體" pitchFamily="34" charset="-120"/>
               <a:ea typeface="微軟正黑體" pitchFamily="34" charset="-120"/>
             </a:endParaRPr>
@@ -3374,11 +3411,39 @@
               <a:buNone/>
             </a:pPr>
             <a:r>
-              <a:rPr lang="zh-TW" altLang="en-US" sz="5400" b="1" dirty="0">
-                <a:latin typeface="微軟正黑體" pitchFamily="34" charset="-120"/>
-                <a:ea typeface="微軟正黑體" pitchFamily="34" charset="-120"/>
-              </a:rPr>
-              <a:t>因我知道盼望因你而來</a:t>
+              <a:rPr lang="zh-TW" altLang="en-US" sz="4800" b="1" dirty="0">
+                <a:latin typeface="微軟正黑體" pitchFamily="34" charset="-120"/>
+                <a:ea typeface="微軟正黑體" pitchFamily="34" charset="-120"/>
+              </a:rPr>
+              <a:t>因我知道盼望</a:t>
+            </a:r>
+            <a:r>
+              <a:rPr lang="zh-TW" altLang="en-US" sz="4800" b="1" dirty="0" smtClean="0">
+                <a:latin typeface="微軟正黑體" pitchFamily="34" charset="-120"/>
+                <a:ea typeface="微軟正黑體" pitchFamily="34" charset="-120"/>
+              </a:rPr>
+              <a:t>因</a:t>
+            </a:r>
+            <a:r>
+              <a:rPr lang="zh-CN" altLang="en-US" sz="4800" b="1" dirty="0" smtClean="0">
+                <a:latin typeface="微軟正黑體" pitchFamily="34" charset="-120"/>
+                <a:ea typeface="微軟正黑體" pitchFamily="34" charset="-120"/>
+              </a:rPr>
+              <a:t>袮</a:t>
+            </a:r>
+            <a:r>
+              <a:rPr lang="zh-TW" altLang="en-US" sz="4800" b="1" dirty="0" smtClean="0">
+                <a:latin typeface="微軟正黑體" pitchFamily="34" charset="-120"/>
+                <a:ea typeface="微軟正黑體" pitchFamily="34" charset="-120"/>
+              </a:rPr>
+              <a:t>而</a:t>
+            </a:r>
+            <a:r>
+              <a:rPr lang="zh-TW" altLang="en-US" sz="4800" b="1" dirty="0">
+                <a:latin typeface="微軟正黑體" pitchFamily="34" charset="-120"/>
+                <a:ea typeface="微軟正黑體" pitchFamily="34" charset="-120"/>
+              </a:rPr>
+              <a:t>來</a:t>
             </a:r>
           </a:p>
         </p:txBody>
@@ -3446,7 +3511,7 @@
         <p:spPr/>
         <p:txBody>
           <a:bodyPr>
-            <a:normAutofit/>
+            <a:noAutofit/>
           </a:bodyPr>
           <a:lstStyle/>
           <a:p>
@@ -3454,13 +3519,13 @@
               <a:buNone/>
             </a:pPr>
             <a:r>
-              <a:rPr lang="zh-TW" altLang="en-US" sz="5400" b="1" dirty="0">
+              <a:rPr lang="zh-TW" altLang="en-US" sz="4800" b="1" dirty="0">
                 <a:latin typeface="微軟正黑體" pitchFamily="34" charset="-120"/>
                 <a:ea typeface="微軟正黑體" pitchFamily="34" charset="-120"/>
               </a:rPr>
               <a:t>耶穌捉緊我雙手</a:t>
             </a:r>
-            <a:endParaRPr lang="en-US" altLang="zh-TW" sz="5400" b="1" dirty="0">
+            <a:endParaRPr lang="en-US" altLang="zh-TW" sz="4800" b="1" dirty="0">
               <a:latin typeface="微軟正黑體" pitchFamily="34" charset="-120"/>
               <a:ea typeface="微軟正黑體" pitchFamily="34" charset="-120"/>
             </a:endParaRPr>
@@ -3470,13 +3535,34 @@
               <a:buNone/>
             </a:pPr>
             <a:r>
-              <a:rPr lang="zh-TW" altLang="en-US" sz="5400" b="1" dirty="0">
-                <a:latin typeface="微軟正黑體" pitchFamily="34" charset="-120"/>
-                <a:ea typeface="微軟正黑體" pitchFamily="34" charset="-120"/>
-              </a:rPr>
-              <a:t>有你的恩典我便足夠</a:t>
-            </a:r>
-            <a:endParaRPr lang="en-US" altLang="zh-TW" sz="5400" b="1" dirty="0">
+              <a:rPr lang="zh-TW" altLang="en-US" sz="4800" b="1" dirty="0" smtClean="0">
+                <a:latin typeface="微軟正黑體" pitchFamily="34" charset="-120"/>
+                <a:ea typeface="微軟正黑體" pitchFamily="34" charset="-120"/>
+              </a:rPr>
+              <a:t>有</a:t>
+            </a:r>
+            <a:r>
+              <a:rPr lang="zh-CN" altLang="en-US" sz="4800" b="1" dirty="0" smtClean="0">
+                <a:latin typeface="微軟正黑體" pitchFamily="34" charset="-120"/>
+                <a:ea typeface="微軟正黑體" pitchFamily="34" charset="-120"/>
+              </a:rPr>
+              <a:t>袮</a:t>
+            </a:r>
+            <a:r>
+              <a:rPr lang="zh-TW" altLang="en-US" sz="4800" b="1" dirty="0" smtClean="0">
+                <a:latin typeface="微軟正黑體" pitchFamily="34" charset="-120"/>
+                <a:ea typeface="微軟正黑體" pitchFamily="34" charset="-120"/>
+              </a:rPr>
+              <a:t>的</a:t>
+            </a:r>
+            <a:r>
+              <a:rPr lang="zh-TW" altLang="en-US" sz="4800" b="1" dirty="0">
+                <a:latin typeface="微軟正黑體" pitchFamily="34" charset="-120"/>
+                <a:ea typeface="微軟正黑體" pitchFamily="34" charset="-120"/>
+              </a:rPr>
+              <a:t>恩典我便足夠</a:t>
+            </a:r>
+            <a:endParaRPr lang="en-US" altLang="zh-TW" sz="4800" b="1" dirty="0">
               <a:latin typeface="微軟正黑體" pitchFamily="34" charset="-120"/>
               <a:ea typeface="微軟正黑體" pitchFamily="34" charset="-120"/>
             </a:endParaRPr>
@@ -3486,13 +3572,34 @@
               <a:buNone/>
             </a:pPr>
             <a:r>
-              <a:rPr lang="zh-TW" altLang="en-US" sz="5400" b="1" dirty="0">
-                <a:latin typeface="微軟正黑體" pitchFamily="34" charset="-120"/>
-                <a:ea typeface="微軟正黑體" pitchFamily="34" charset="-120"/>
-              </a:rPr>
-              <a:t>讓我可清心見你面</a:t>
-            </a:r>
-            <a:endParaRPr lang="en-US" altLang="zh-TW" sz="5400" b="1" dirty="0">
+              <a:rPr lang="zh-TW" altLang="en-US" sz="4800" b="1" dirty="0">
+                <a:latin typeface="微軟正黑體" pitchFamily="34" charset="-120"/>
+                <a:ea typeface="微軟正黑體" pitchFamily="34" charset="-120"/>
+              </a:rPr>
+              <a:t>讓我可清心</a:t>
+            </a:r>
+            <a:r>
+              <a:rPr lang="zh-TW" altLang="en-US" sz="4800" b="1" dirty="0" smtClean="0">
+                <a:latin typeface="微軟正黑體" pitchFamily="34" charset="-120"/>
+                <a:ea typeface="微軟正黑體" pitchFamily="34" charset="-120"/>
+              </a:rPr>
+              <a:t>見</a:t>
+            </a:r>
+            <a:r>
+              <a:rPr lang="zh-CN" altLang="en-US" sz="4800" b="1" dirty="0" smtClean="0">
+                <a:latin typeface="微軟正黑體" pitchFamily="34" charset="-120"/>
+                <a:ea typeface="微軟正黑體" pitchFamily="34" charset="-120"/>
+              </a:rPr>
+              <a:t>袮</a:t>
+            </a:r>
+            <a:r>
+              <a:rPr lang="zh-TW" altLang="en-US" sz="4800" b="1" dirty="0" smtClean="0">
+                <a:latin typeface="微軟正黑體" pitchFamily="34" charset="-120"/>
+                <a:ea typeface="微軟正黑體" pitchFamily="34" charset="-120"/>
+              </a:rPr>
+              <a:t>面</a:t>
+            </a:r>
+            <a:endParaRPr lang="en-US" altLang="zh-TW" sz="4800" b="1" dirty="0">
               <a:latin typeface="微軟正黑體" pitchFamily="34" charset="-120"/>
               <a:ea typeface="微軟正黑體" pitchFamily="34" charset="-120"/>
             </a:endParaRPr>
@@ -3502,7 +3609,7 @@
               <a:buNone/>
             </a:pPr>
             <a:r>
-              <a:rPr lang="zh-TW" altLang="en-US" sz="5400" b="1" dirty="0">
+              <a:rPr lang="zh-TW" altLang="en-US" sz="4800" b="1" dirty="0">
                 <a:latin typeface="微軟正黑體" pitchFamily="34" charset="-120"/>
                 <a:ea typeface="微軟正黑體" pitchFamily="34" charset="-120"/>
               </a:rPr>
@@ -3574,7 +3681,7 @@
         <p:spPr/>
         <p:txBody>
           <a:bodyPr>
-            <a:normAutofit/>
+            <a:noAutofit/>
           </a:bodyPr>
           <a:lstStyle/>
           <a:p>
@@ -3582,13 +3689,13 @@
               <a:buNone/>
             </a:pPr>
             <a:r>
-              <a:rPr lang="zh-TW" altLang="en-US" sz="5400" b="1" dirty="0">
+              <a:rPr lang="zh-TW" altLang="en-US" sz="4800" b="1" dirty="0">
                 <a:latin typeface="微軟正黑體" pitchFamily="34" charset="-120"/>
                 <a:ea typeface="微軟正黑體" pitchFamily="34" charset="-120"/>
               </a:rPr>
               <a:t>耶穌捉緊我雙手</a:t>
             </a:r>
-            <a:endParaRPr lang="en-US" altLang="zh-TW" sz="5400" b="1" dirty="0">
+            <a:endParaRPr lang="en-US" altLang="zh-TW" sz="4800" b="1" dirty="0">
               <a:latin typeface="微軟正黑體" pitchFamily="34" charset="-120"/>
               <a:ea typeface="微軟正黑體" pitchFamily="34" charset="-120"/>
             </a:endParaRPr>
@@ -3598,13 +3705,13 @@
               <a:buNone/>
             </a:pPr>
             <a:r>
-              <a:rPr lang="zh-TW" altLang="en-US" sz="5400" b="1" dirty="0">
+              <a:rPr lang="zh-TW" altLang="en-US" sz="4800" b="1" dirty="0">
                 <a:latin typeface="微軟正黑體" pitchFamily="34" charset="-120"/>
                 <a:ea typeface="微軟正黑體" pitchFamily="34" charset="-120"/>
               </a:rPr>
               <a:t>仰望那財寶在天上</a:t>
             </a:r>
-            <a:endParaRPr lang="en-US" altLang="zh-TW" sz="5400" b="1" dirty="0">
+            <a:endParaRPr lang="en-US" altLang="zh-TW" sz="4800" b="1" dirty="0">
               <a:latin typeface="微軟正黑體" pitchFamily="34" charset="-120"/>
               <a:ea typeface="微軟正黑體" pitchFamily="34" charset="-120"/>
             </a:endParaRPr>
@@ -3614,13 +3721,13 @@
               <a:buNone/>
             </a:pPr>
             <a:r>
-              <a:rPr lang="zh-TW" altLang="en-US" sz="5400" b="1" dirty="0">
+              <a:rPr lang="zh-TW" altLang="en-US" sz="4800" b="1" dirty="0">
                 <a:latin typeface="微軟正黑體" pitchFamily="34" charset="-120"/>
                 <a:ea typeface="微軟正黑體" pitchFamily="34" charset="-120"/>
               </a:rPr>
               <a:t>愛慕神的   抱著平安</a:t>
             </a:r>
-            <a:endParaRPr lang="en-US" altLang="zh-TW" sz="5400" b="1" dirty="0">
+            <a:endParaRPr lang="en-US" altLang="zh-TW" sz="4800" b="1" dirty="0">
               <a:latin typeface="微軟正黑體" pitchFamily="34" charset="-120"/>
               <a:ea typeface="微軟正黑體" pitchFamily="34" charset="-120"/>
             </a:endParaRPr>
@@ -3630,11 +3737,32 @@
               <a:buNone/>
             </a:pPr>
             <a:r>
-              <a:rPr lang="zh-TW" altLang="en-US" sz="5400" b="1" dirty="0">
-                <a:latin typeface="微軟正黑體" pitchFamily="34" charset="-120"/>
-                <a:ea typeface="微軟正黑體" pitchFamily="34" charset="-120"/>
-              </a:rPr>
-              <a:t>感謝你為我所編寫的一切</a:t>
+              <a:rPr lang="zh-TW" altLang="en-US" sz="4800" b="1" dirty="0" smtClean="0">
+                <a:latin typeface="微軟正黑體" pitchFamily="34" charset="-120"/>
+                <a:ea typeface="微軟正黑體" pitchFamily="34" charset="-120"/>
+              </a:rPr>
+              <a:t>感謝</a:t>
+            </a:r>
+            <a:r>
+              <a:rPr lang="zh-CN" altLang="en-US" sz="4800" b="1" dirty="0" smtClean="0">
+                <a:latin typeface="微軟正黑體" pitchFamily="34" charset="-120"/>
+                <a:ea typeface="微軟正黑體" pitchFamily="34" charset="-120"/>
+              </a:rPr>
+              <a:t>袮</a:t>
+            </a:r>
+            <a:r>
+              <a:rPr lang="zh-TW" altLang="en-US" sz="4800" b="1" dirty="0" smtClean="0">
+                <a:latin typeface="微軟正黑體" pitchFamily="34" charset="-120"/>
+                <a:ea typeface="微軟正黑體" pitchFamily="34" charset="-120"/>
+              </a:rPr>
+              <a:t>為</a:t>
+            </a:r>
+            <a:r>
+              <a:rPr lang="zh-TW" altLang="en-US" sz="4800" b="1" dirty="0">
+                <a:latin typeface="微軟正黑體" pitchFamily="34" charset="-120"/>
+                <a:ea typeface="微軟正黑體" pitchFamily="34" charset="-120"/>
+              </a:rPr>
+              <a:t>我所編寫的一切</a:t>
             </a:r>
           </a:p>
         </p:txBody>
@@ -3648,7 +3776,7 @@
 </file>
 
 <file path=ppt/theme/theme1.xml><?xml version="1.0" encoding="utf-8"?>
-<a:theme xmlns:a="http://schemas.openxmlformats.org/drawingml/2006/main" name="Office 佈景主題">
+<a:theme xmlns:a="http://schemas.openxmlformats.org/drawingml/2006/main" name="佈景主題4">
   <a:themeElements>
     <a:clrScheme name="Office">
       <a:dk1>

--- a/信心的等待.pptx
+++ b/信心的等待.pptx
@@ -292,7 +292,7 @@
             <a:fld id="{4E38DB0F-C43F-4C1F-B6F0-7BD3377B547F}" type="datetimeFigureOut">
               <a:rPr lang="zh-TW" altLang="en-US" smtClean="0"/>
               <a:pPr/>
-              <a:t>2020/6/16</a:t>
+              <a:t>2020/8/27</a:t>
             </a:fld>
             <a:endParaRPr lang="zh-TW" altLang="en-US"/>
           </a:p>
@@ -459,7 +459,7 @@
             <a:fld id="{4E38DB0F-C43F-4C1F-B6F0-7BD3377B547F}" type="datetimeFigureOut">
               <a:rPr lang="zh-TW" altLang="en-US" smtClean="0"/>
               <a:pPr/>
-              <a:t>2020/6/16</a:t>
+              <a:t>2020/8/27</a:t>
             </a:fld>
             <a:endParaRPr lang="zh-TW" altLang="en-US"/>
           </a:p>
@@ -636,7 +636,7 @@
             <a:fld id="{4E38DB0F-C43F-4C1F-B6F0-7BD3377B547F}" type="datetimeFigureOut">
               <a:rPr lang="zh-TW" altLang="en-US" smtClean="0"/>
               <a:pPr/>
-              <a:t>2020/6/16</a:t>
+              <a:t>2020/8/27</a:t>
             </a:fld>
             <a:endParaRPr lang="zh-TW" altLang="en-US"/>
           </a:p>
@@ -803,7 +803,7 @@
             <a:fld id="{4E38DB0F-C43F-4C1F-B6F0-7BD3377B547F}" type="datetimeFigureOut">
               <a:rPr lang="zh-TW" altLang="en-US" smtClean="0"/>
               <a:pPr/>
-              <a:t>2020/6/16</a:t>
+              <a:t>2020/8/27</a:t>
             </a:fld>
             <a:endParaRPr lang="zh-TW" altLang="en-US"/>
           </a:p>
@@ -1046,7 +1046,7 @@
             <a:fld id="{4E38DB0F-C43F-4C1F-B6F0-7BD3377B547F}" type="datetimeFigureOut">
               <a:rPr lang="zh-TW" altLang="en-US" smtClean="0"/>
               <a:pPr/>
-              <a:t>2020/6/16</a:t>
+              <a:t>2020/8/27</a:t>
             </a:fld>
             <a:endParaRPr lang="zh-TW" altLang="en-US"/>
           </a:p>
@@ -1331,7 +1331,7 @@
             <a:fld id="{4E38DB0F-C43F-4C1F-B6F0-7BD3377B547F}" type="datetimeFigureOut">
               <a:rPr lang="zh-TW" altLang="en-US" smtClean="0"/>
               <a:pPr/>
-              <a:t>2020/6/16</a:t>
+              <a:t>2020/8/27</a:t>
             </a:fld>
             <a:endParaRPr lang="zh-TW" altLang="en-US"/>
           </a:p>
@@ -1750,7 +1750,7 @@
             <a:fld id="{4E38DB0F-C43F-4C1F-B6F0-7BD3377B547F}" type="datetimeFigureOut">
               <a:rPr lang="zh-TW" altLang="en-US" smtClean="0"/>
               <a:pPr/>
-              <a:t>2020/6/16</a:t>
+              <a:t>2020/8/27</a:t>
             </a:fld>
             <a:endParaRPr lang="zh-TW" altLang="en-US"/>
           </a:p>
@@ -1865,7 +1865,7 @@
             <a:fld id="{4E38DB0F-C43F-4C1F-B6F0-7BD3377B547F}" type="datetimeFigureOut">
               <a:rPr lang="zh-TW" altLang="en-US" smtClean="0"/>
               <a:pPr/>
-              <a:t>2020/6/16</a:t>
+              <a:t>2020/8/27</a:t>
             </a:fld>
             <a:endParaRPr lang="zh-TW" altLang="en-US"/>
           </a:p>
@@ -1957,7 +1957,7 @@
             <a:fld id="{4E38DB0F-C43F-4C1F-B6F0-7BD3377B547F}" type="datetimeFigureOut">
               <a:rPr lang="zh-TW" altLang="en-US" smtClean="0"/>
               <a:pPr/>
-              <a:t>2020/6/16</a:t>
+              <a:t>2020/8/27</a:t>
             </a:fld>
             <a:endParaRPr lang="zh-TW" altLang="en-US"/>
           </a:p>
@@ -2231,7 +2231,7 @@
             <a:fld id="{4E38DB0F-C43F-4C1F-B6F0-7BD3377B547F}" type="datetimeFigureOut">
               <a:rPr lang="zh-TW" altLang="en-US" smtClean="0"/>
               <a:pPr/>
-              <a:t>2020/6/16</a:t>
+              <a:t>2020/8/27</a:t>
             </a:fld>
             <a:endParaRPr lang="zh-TW" altLang="en-US"/>
           </a:p>
@@ -2485,7 +2485,7 @@
             <a:fld id="{4E38DB0F-C43F-4C1F-B6F0-7BD3377B547F}" type="datetimeFigureOut">
               <a:rPr lang="zh-TW" altLang="en-US" smtClean="0"/>
               <a:pPr/>
-              <a:t>2020/6/16</a:t>
+              <a:t>2020/8/27</a:t>
             </a:fld>
             <a:endParaRPr lang="zh-TW" altLang="en-US"/>
           </a:p>
@@ -2700,7 +2700,7 @@
             <a:fld id="{4E38DB0F-C43F-4C1F-B6F0-7BD3377B547F}" type="datetimeFigureOut">
               <a:rPr lang="zh-TW" altLang="en-US" smtClean="0"/>
               <a:pPr/>
-              <a:t>2020/6/16</a:t>
+              <a:t>2020/8/27</a:t>
             </a:fld>
             <a:endParaRPr lang="zh-TW" altLang="en-US"/>
           </a:p>
@@ -3083,11 +3083,13 @@
         </p:nvSpPr>
         <p:spPr/>
         <p:txBody>
-          <a:bodyPr/>
-          <a:lstStyle/>
-          <a:p>
-            <a:r>
-              <a:rPr lang="zh-TW" altLang="en-US" b="1" dirty="0">
+          <a:bodyPr>
+            <a:normAutofit/>
+          </a:bodyPr>
+          <a:lstStyle/>
+          <a:p>
+            <a:r>
+              <a:rPr lang="zh-TW" altLang="en-US" sz="3600" b="1" dirty="0">
                 <a:latin typeface="微軟正黑體" pitchFamily="34" charset="-120"/>
                 <a:ea typeface="微軟正黑體" pitchFamily="34" charset="-120"/>
               </a:rPr>
@@ -3122,20 +3124,20 @@
               <a:buNone/>
             </a:pPr>
             <a:r>
-              <a:rPr lang="zh-TW" altLang="en-US" sz="4400" b="1" dirty="0">
+              <a:rPr lang="zh-TW" altLang="en-US" sz="4000" b="1" dirty="0">
                 <a:latin typeface="微軟正黑體" pitchFamily="34" charset="-120"/>
                 <a:ea typeface="微軟正黑體" pitchFamily="34" charset="-120"/>
               </a:rPr>
               <a:t>明天怎麼你還是</a:t>
             </a:r>
             <a:r>
-              <a:rPr lang="zh-TW" altLang="en-US" sz="4400" b="1" dirty="0" smtClean="0">
+              <a:rPr lang="zh-TW" altLang="en-US" sz="4000" b="1" dirty="0" smtClean="0">
                 <a:latin typeface="微軟正黑體" pitchFamily="34" charset="-120"/>
                 <a:ea typeface="微軟正黑體" pitchFamily="34" charset="-120"/>
               </a:rPr>
               <a:t>不知道</a:t>
             </a:r>
-            <a:endParaRPr lang="en-US" altLang="zh-TW" sz="4400" b="1" dirty="0" smtClean="0">
+            <a:endParaRPr lang="en-US" altLang="zh-TW" sz="4000" b="1" dirty="0" smtClean="0">
               <a:latin typeface="微軟正黑體" pitchFamily="34" charset="-120"/>
               <a:ea typeface="微軟正黑體" pitchFamily="34" charset="-120"/>
             </a:endParaRPr>
@@ -3145,27 +3147,27 @@
               <a:buNone/>
             </a:pPr>
             <a:r>
-              <a:rPr lang="zh-TW" altLang="en-US" sz="4400" b="1" dirty="0" smtClean="0">
+              <a:rPr lang="zh-TW" altLang="en-US" sz="4000" b="1" dirty="0" smtClean="0">
                 <a:latin typeface="微軟正黑體" pitchFamily="34" charset="-120"/>
                 <a:ea typeface="微軟正黑體" pitchFamily="34" charset="-120"/>
               </a:rPr>
               <a:t>越</a:t>
             </a:r>
             <a:r>
-              <a:rPr lang="zh-TW" altLang="en-US" sz="4400" b="1" dirty="0">
+              <a:rPr lang="zh-TW" altLang="en-US" sz="4000" b="1" dirty="0">
                 <a:latin typeface="微軟正黑體" pitchFamily="34" charset="-120"/>
                 <a:ea typeface="微軟正黑體" pitchFamily="34" charset="-120"/>
               </a:rPr>
               <a:t>想得到的總會得</a:t>
             </a:r>
             <a:r>
-              <a:rPr lang="zh-TW" altLang="en-US" sz="4400" b="1" dirty="0" smtClean="0">
+              <a:rPr lang="zh-TW" altLang="en-US" sz="4000" b="1" dirty="0" smtClean="0">
                 <a:latin typeface="微軟正黑體" pitchFamily="34" charset="-120"/>
                 <a:ea typeface="微軟正黑體" pitchFamily="34" charset="-120"/>
               </a:rPr>
               <a:t>不到</a:t>
             </a:r>
-            <a:endParaRPr lang="en-US" altLang="zh-TW" sz="4400" b="1" dirty="0">
+            <a:endParaRPr lang="en-US" altLang="zh-TW" sz="4000" b="1" dirty="0">
               <a:latin typeface="微軟正黑體" pitchFamily="34" charset="-120"/>
               <a:ea typeface="微軟正黑體" pitchFamily="34" charset="-120"/>
             </a:endParaRPr>
@@ -3175,27 +3177,27 @@
               <a:buNone/>
             </a:pPr>
             <a:r>
-              <a:rPr lang="zh-TW" altLang="en-US" sz="4400" b="1" dirty="0" smtClean="0">
+              <a:rPr lang="zh-TW" altLang="en-US" sz="4000" b="1" dirty="0" smtClean="0">
                 <a:latin typeface="微軟正黑體" pitchFamily="34" charset="-120"/>
                 <a:ea typeface="微軟正黑體" pitchFamily="34" charset="-120"/>
               </a:rPr>
               <a:t>人</a:t>
             </a:r>
             <a:r>
-              <a:rPr lang="zh-TW" altLang="en-US" sz="4400" b="1" dirty="0">
+              <a:rPr lang="zh-TW" altLang="en-US" sz="4000" b="1" dirty="0">
                 <a:latin typeface="微軟正黑體" pitchFamily="34" charset="-120"/>
                 <a:ea typeface="微軟正黑體" pitchFamily="34" charset="-120"/>
               </a:rPr>
               <a:t>生就像一片</a:t>
             </a:r>
             <a:r>
-              <a:rPr lang="zh-TW" altLang="en-US" sz="4400" b="1" dirty="0" smtClean="0">
+              <a:rPr lang="zh-TW" altLang="en-US" sz="4000" b="1" dirty="0" smtClean="0">
                 <a:latin typeface="微軟正黑體" pitchFamily="34" charset="-120"/>
                 <a:ea typeface="微軟正黑體" pitchFamily="34" charset="-120"/>
               </a:rPr>
               <a:t>雲霧</a:t>
             </a:r>
-            <a:endParaRPr lang="en-US" altLang="zh-TW" sz="4400" b="1" dirty="0" smtClean="0">
+            <a:endParaRPr lang="en-US" altLang="zh-TW" sz="4000" b="1" dirty="0" smtClean="0">
               <a:latin typeface="微軟正黑體" pitchFamily="34" charset="-120"/>
               <a:ea typeface="微軟正黑體" pitchFamily="34" charset="-120"/>
             </a:endParaRPr>
@@ -3205,27 +3207,27 @@
               <a:buNone/>
             </a:pPr>
             <a:r>
-              <a:rPr lang="zh-TW" altLang="en-US" sz="4400" b="1" dirty="0" smtClean="0">
+              <a:rPr lang="zh-TW" altLang="en-US" sz="4000" b="1" dirty="0" smtClean="0">
                 <a:latin typeface="微軟正黑體" pitchFamily="34" charset="-120"/>
                 <a:ea typeface="微軟正黑體" pitchFamily="34" charset="-120"/>
               </a:rPr>
               <a:t>出現</a:t>
             </a:r>
             <a:r>
-              <a:rPr lang="zh-TW" altLang="en-US" sz="4400" b="1" dirty="0">
+              <a:rPr lang="zh-TW" altLang="en-US" sz="4000" b="1" dirty="0">
                 <a:latin typeface="微軟正黑體" pitchFamily="34" charset="-120"/>
                 <a:ea typeface="微軟正黑體" pitchFamily="34" charset="-120"/>
               </a:rPr>
               <a:t>少時就不</a:t>
             </a:r>
             <a:r>
-              <a:rPr lang="zh-TW" altLang="en-US" sz="4400" b="1" dirty="0" smtClean="0">
+              <a:rPr lang="zh-TW" altLang="en-US" sz="4000" b="1" dirty="0" smtClean="0">
                 <a:latin typeface="微軟正黑體" pitchFamily="34" charset="-120"/>
                 <a:ea typeface="微軟正黑體" pitchFamily="34" charset="-120"/>
               </a:rPr>
               <a:t>見到</a:t>
             </a:r>
-            <a:endParaRPr lang="en-US" altLang="zh-TW" sz="4400" b="1" dirty="0" smtClean="0">
+            <a:endParaRPr lang="en-US" altLang="zh-TW" sz="4000" b="1" dirty="0" smtClean="0">
               <a:latin typeface="微軟正黑體" pitchFamily="34" charset="-120"/>
               <a:ea typeface="微軟正黑體" pitchFamily="34" charset="-120"/>
             </a:endParaRPr>
@@ -3235,22 +3237,20 @@
               <a:buNone/>
             </a:pPr>
             <a:r>
-              <a:rPr lang="zh-TW" altLang="en-US" sz="4400" b="1" dirty="0" smtClean="0">
-                <a:latin typeface="微軟正黑體" pitchFamily="34" charset="-120"/>
-                <a:ea typeface="微軟正黑體" pitchFamily="34" charset="-120"/>
-              </a:rPr>
-              <a:t>何必計較那得失終老</a:t>
-            </a:r>
-            <a:endParaRPr lang="en-US" altLang="zh-TW" sz="4400" b="1" dirty="0" smtClean="0">
-              <a:latin typeface="微軟正黑體" pitchFamily="34" charset="-120"/>
-              <a:ea typeface="微軟正黑體" pitchFamily="34" charset="-120"/>
-            </a:endParaRPr>
-          </a:p>
-          <a:p>
-            <a:pPr algn="ctr">
-              <a:buNone/>
-            </a:pPr>
-            <a:endParaRPr lang="zh-TW" altLang="en-US" sz="4400" b="1" dirty="0">
+              <a:rPr lang="zh-TW" altLang="en-US" sz="4000" b="1" dirty="0" smtClean="0">
+                <a:latin typeface="微軟正黑體" pitchFamily="34" charset="-120"/>
+                <a:ea typeface="微軟正黑體" pitchFamily="34" charset="-120"/>
+              </a:rPr>
+              <a:t>何必計較那得失終</a:t>
+            </a:r>
+            <a:r>
+              <a:rPr lang="zh-TW" altLang="en-US" sz="4000" b="1" dirty="0" smtClean="0">
+                <a:latin typeface="微軟正黑體" pitchFamily="34" charset="-120"/>
+                <a:ea typeface="微軟正黑體" pitchFamily="34" charset="-120"/>
+              </a:rPr>
+              <a:t>老</a:t>
+            </a:r>
+            <a:endParaRPr lang="en-US" altLang="zh-TW" sz="4000" b="1" dirty="0" smtClean="0">
               <a:latin typeface="微軟正黑體" pitchFamily="34" charset="-120"/>
               <a:ea typeface="微軟正黑體" pitchFamily="34" charset="-120"/>
             </a:endParaRPr>
@@ -3294,11 +3294,13 @@
         </p:nvSpPr>
         <p:spPr/>
         <p:txBody>
-          <a:bodyPr/>
-          <a:lstStyle/>
-          <a:p>
-            <a:r>
-              <a:rPr lang="zh-TW" altLang="en-US" b="1" dirty="0">
+          <a:bodyPr>
+            <a:normAutofit/>
+          </a:bodyPr>
+          <a:lstStyle/>
+          <a:p>
+            <a:r>
+              <a:rPr lang="zh-TW" altLang="en-US" sz="3600" b="1" dirty="0">
                 <a:latin typeface="微軟正黑體" pitchFamily="34" charset="-120"/>
                 <a:ea typeface="微軟正黑體" pitchFamily="34" charset="-120"/>
               </a:rPr>
@@ -3328,20 +3330,20 @@
               <a:buNone/>
             </a:pPr>
             <a:r>
-              <a:rPr lang="zh-TW" altLang="en-US" sz="4800" b="1" dirty="0" smtClean="0">
+              <a:rPr lang="zh-TW" altLang="en-US" sz="4400" b="1" dirty="0" smtClean="0">
                 <a:latin typeface="微軟正黑體" pitchFamily="34" charset="-120"/>
                 <a:ea typeface="微軟正黑體" pitchFamily="34" charset="-120"/>
               </a:rPr>
               <a:t>在</a:t>
             </a:r>
             <a:r>
-              <a:rPr lang="zh-TW" altLang="en-US" sz="4800" b="1" dirty="0">
+              <a:rPr lang="zh-TW" altLang="en-US" sz="4400" b="1" dirty="0">
                 <a:latin typeface="微軟正黑體" pitchFamily="34" charset="-120"/>
                 <a:ea typeface="微軟正黑體" pitchFamily="34" charset="-120"/>
               </a:rPr>
               <a:t>這幽谷之中我宣告</a:t>
             </a:r>
-            <a:endParaRPr lang="en-US" altLang="zh-TW" sz="4800" b="1" dirty="0">
+            <a:endParaRPr lang="en-US" altLang="zh-TW" sz="4400" b="1" dirty="0">
               <a:latin typeface="微軟正黑體" pitchFamily="34" charset="-120"/>
               <a:ea typeface="微軟正黑體" pitchFamily="34" charset="-120"/>
             </a:endParaRPr>
@@ -3351,41 +3353,41 @@
               <a:buNone/>
             </a:pPr>
             <a:r>
-              <a:rPr lang="zh-TW" altLang="en-US" sz="4800" b="1" dirty="0">
+              <a:rPr lang="zh-TW" altLang="en-US" sz="4400" b="1" dirty="0">
                 <a:latin typeface="微軟正黑體" pitchFamily="34" charset="-120"/>
                 <a:ea typeface="微軟正黑體" pitchFamily="34" charset="-120"/>
               </a:rPr>
               <a:t>不必怕因</a:t>
             </a:r>
             <a:r>
-              <a:rPr lang="zh-TW" altLang="en-US" sz="4800" b="1" dirty="0" smtClean="0">
+              <a:rPr lang="zh-TW" altLang="en-US" sz="4400" b="1" dirty="0" smtClean="0">
                 <a:latin typeface="微軟正黑體" pitchFamily="34" charset="-120"/>
                 <a:ea typeface="微軟正黑體" pitchFamily="34" charset="-120"/>
               </a:rPr>
               <a:t>有</a:t>
             </a:r>
             <a:r>
-              <a:rPr lang="zh-CN" altLang="en-US" sz="4800" b="1" dirty="0" smtClean="0">
+              <a:rPr lang="zh-CN" altLang="en-US" sz="4400" b="1" dirty="0" smtClean="0">
                 <a:latin typeface="微軟正黑體" pitchFamily="34" charset="-120"/>
                 <a:ea typeface="微軟正黑體" pitchFamily="34" charset="-120"/>
               </a:rPr>
               <a:t>袮</a:t>
             </a:r>
             <a:r>
-              <a:rPr lang="zh-TW" altLang="en-US" sz="4800" b="1" dirty="0" smtClean="0">
+              <a:rPr lang="zh-TW" altLang="en-US" sz="4400" b="1" dirty="0" smtClean="0">
                 <a:latin typeface="微軟正黑體" pitchFamily="34" charset="-120"/>
                 <a:ea typeface="微軟正黑體" pitchFamily="34" charset="-120"/>
               </a:rPr>
               <a:t>同</a:t>
             </a:r>
             <a:r>
-              <a:rPr lang="zh-TW" altLang="en-US" sz="4800" b="1" dirty="0">
+              <a:rPr lang="zh-TW" altLang="en-US" sz="4400" b="1" dirty="0">
                 <a:latin typeface="微軟正黑體" pitchFamily="34" charset="-120"/>
                 <a:ea typeface="微軟正黑體" pitchFamily="34" charset="-120"/>
               </a:rPr>
               <a:t>在</a:t>
             </a:r>
-            <a:endParaRPr lang="en-US" altLang="zh-TW" sz="4800" b="1" dirty="0">
+            <a:endParaRPr lang="en-US" altLang="zh-TW" sz="4400" b="1" dirty="0">
               <a:latin typeface="微軟正黑體" pitchFamily="34" charset="-120"/>
               <a:ea typeface="微軟正黑體" pitchFamily="34" charset="-120"/>
             </a:endParaRPr>
@@ -3395,13 +3397,13 @@
               <a:buNone/>
             </a:pPr>
             <a:r>
-              <a:rPr lang="zh-TW" altLang="en-US" sz="4800" b="1" dirty="0">
+              <a:rPr lang="zh-TW" altLang="en-US" sz="4400" b="1" dirty="0">
                 <a:latin typeface="微軟正黑體" pitchFamily="34" charset="-120"/>
                 <a:ea typeface="微軟正黑體" pitchFamily="34" charset="-120"/>
               </a:rPr>
               <a:t>別人笑我為甚麼等待</a:t>
             </a:r>
-            <a:endParaRPr lang="en-US" altLang="zh-TW" sz="4800" b="1" dirty="0">
+            <a:endParaRPr lang="en-US" altLang="zh-TW" sz="4400" b="1" dirty="0">
               <a:latin typeface="微軟正黑體" pitchFamily="34" charset="-120"/>
               <a:ea typeface="微軟正黑體" pitchFamily="34" charset="-120"/>
             </a:endParaRPr>
@@ -3411,35 +3413,35 @@
               <a:buNone/>
             </a:pPr>
             <a:r>
-              <a:rPr lang="zh-TW" altLang="en-US" sz="4800" b="1" dirty="0">
+              <a:rPr lang="zh-TW" altLang="en-US" sz="4400" b="1" dirty="0">
                 <a:latin typeface="微軟正黑體" pitchFamily="34" charset="-120"/>
                 <a:ea typeface="微軟正黑體" pitchFamily="34" charset="-120"/>
               </a:rPr>
               <a:t>因我知道盼望</a:t>
             </a:r>
             <a:r>
-              <a:rPr lang="zh-TW" altLang="en-US" sz="4800" b="1" dirty="0" smtClean="0">
+              <a:rPr lang="zh-TW" altLang="en-US" sz="4400" b="1" dirty="0" smtClean="0">
                 <a:latin typeface="微軟正黑體" pitchFamily="34" charset="-120"/>
                 <a:ea typeface="微軟正黑體" pitchFamily="34" charset="-120"/>
               </a:rPr>
               <a:t>因</a:t>
             </a:r>
             <a:r>
-              <a:rPr lang="zh-CN" altLang="en-US" sz="4800" b="1" dirty="0" smtClean="0">
+              <a:rPr lang="zh-CN" altLang="en-US" sz="4400" b="1" dirty="0" smtClean="0">
                 <a:latin typeface="微軟正黑體" pitchFamily="34" charset="-120"/>
                 <a:ea typeface="微軟正黑體" pitchFamily="34" charset="-120"/>
               </a:rPr>
               <a:t>袮</a:t>
             </a:r>
             <a:r>
-              <a:rPr lang="zh-TW" altLang="en-US" sz="4800" b="1" dirty="0" smtClean="0">
+              <a:rPr lang="zh-TW" altLang="en-US" sz="4400" b="1" dirty="0" smtClean="0">
                 <a:latin typeface="微軟正黑體" pitchFamily="34" charset="-120"/>
                 <a:ea typeface="微軟正黑體" pitchFamily="34" charset="-120"/>
               </a:rPr>
               <a:t>而</a:t>
             </a:r>
             <a:r>
-              <a:rPr lang="zh-TW" altLang="en-US" sz="4800" b="1" dirty="0">
+              <a:rPr lang="zh-TW" altLang="en-US" sz="4400" b="1" dirty="0">
                 <a:latin typeface="微軟正黑體" pitchFamily="34" charset="-120"/>
                 <a:ea typeface="微軟正黑體" pitchFamily="34" charset="-120"/>
               </a:rPr>
@@ -3485,11 +3487,13 @@
         </p:nvSpPr>
         <p:spPr/>
         <p:txBody>
-          <a:bodyPr/>
-          <a:lstStyle/>
-          <a:p>
-            <a:r>
-              <a:rPr lang="zh-TW" altLang="en-US" b="1" dirty="0">
+          <a:bodyPr>
+            <a:normAutofit/>
+          </a:bodyPr>
+          <a:lstStyle/>
+          <a:p>
+            <a:r>
+              <a:rPr lang="zh-TW" altLang="en-US" sz="3600" b="1" dirty="0">
                 <a:latin typeface="微軟正黑體" pitchFamily="34" charset="-120"/>
                 <a:ea typeface="微軟正黑體" pitchFamily="34" charset="-120"/>
               </a:rPr>
@@ -3519,13 +3523,13 @@
               <a:buNone/>
             </a:pPr>
             <a:r>
-              <a:rPr lang="zh-TW" altLang="en-US" sz="4800" b="1" dirty="0">
+              <a:rPr lang="zh-TW" altLang="en-US" sz="4400" b="1" dirty="0">
                 <a:latin typeface="微軟正黑體" pitchFamily="34" charset="-120"/>
                 <a:ea typeface="微軟正黑體" pitchFamily="34" charset="-120"/>
               </a:rPr>
               <a:t>耶穌捉緊我雙手</a:t>
             </a:r>
-            <a:endParaRPr lang="en-US" altLang="zh-TW" sz="4800" b="1" dirty="0">
+            <a:endParaRPr lang="en-US" altLang="zh-TW" sz="4400" b="1" dirty="0">
               <a:latin typeface="微軟正黑體" pitchFamily="34" charset="-120"/>
               <a:ea typeface="微軟正黑體" pitchFamily="34" charset="-120"/>
             </a:endParaRPr>
@@ -3535,34 +3539,34 @@
               <a:buNone/>
             </a:pPr>
             <a:r>
-              <a:rPr lang="zh-TW" altLang="en-US" sz="4800" b="1" dirty="0" smtClean="0">
+              <a:rPr lang="zh-TW" altLang="en-US" sz="4400" b="1" dirty="0" smtClean="0">
                 <a:latin typeface="微軟正黑體" pitchFamily="34" charset="-120"/>
                 <a:ea typeface="微軟正黑體" pitchFamily="34" charset="-120"/>
               </a:rPr>
               <a:t>有</a:t>
             </a:r>
             <a:r>
-              <a:rPr lang="zh-CN" altLang="en-US" sz="4800" b="1" dirty="0" smtClean="0">
+              <a:rPr lang="zh-CN" altLang="en-US" sz="4400" b="1" dirty="0" smtClean="0">
                 <a:latin typeface="微軟正黑體" pitchFamily="34" charset="-120"/>
                 <a:ea typeface="微軟正黑體" pitchFamily="34" charset="-120"/>
               </a:rPr>
               <a:t>袮</a:t>
             </a:r>
             <a:r>
-              <a:rPr lang="zh-TW" altLang="en-US" sz="4800" b="1" dirty="0" smtClean="0">
+              <a:rPr lang="zh-TW" altLang="en-US" sz="4400" b="1" dirty="0" smtClean="0">
                 <a:latin typeface="微軟正黑體" pitchFamily="34" charset="-120"/>
                 <a:ea typeface="微軟正黑體" pitchFamily="34" charset="-120"/>
               </a:rPr>
               <a:t>的</a:t>
             </a:r>
             <a:r>
-              <a:rPr lang="zh-TW" altLang="en-US" sz="4800" b="1" dirty="0">
+              <a:rPr lang="zh-TW" altLang="en-US" sz="4400" b="1" dirty="0">
                 <a:latin typeface="微軟正黑體" pitchFamily="34" charset="-120"/>
                 <a:ea typeface="微軟正黑體" pitchFamily="34" charset="-120"/>
               </a:rPr>
               <a:t>恩典我便足夠</a:t>
             </a:r>
-            <a:endParaRPr lang="en-US" altLang="zh-TW" sz="4800" b="1" dirty="0">
+            <a:endParaRPr lang="en-US" altLang="zh-TW" sz="4400" b="1" dirty="0">
               <a:latin typeface="微軟正黑體" pitchFamily="34" charset="-120"/>
               <a:ea typeface="微軟正黑體" pitchFamily="34" charset="-120"/>
             </a:endParaRPr>
@@ -3572,34 +3576,34 @@
               <a:buNone/>
             </a:pPr>
             <a:r>
-              <a:rPr lang="zh-TW" altLang="en-US" sz="4800" b="1" dirty="0">
+              <a:rPr lang="zh-TW" altLang="en-US" sz="4400" b="1" dirty="0">
                 <a:latin typeface="微軟正黑體" pitchFamily="34" charset="-120"/>
                 <a:ea typeface="微軟正黑體" pitchFamily="34" charset="-120"/>
               </a:rPr>
               <a:t>讓我可清心</a:t>
             </a:r>
             <a:r>
-              <a:rPr lang="zh-TW" altLang="en-US" sz="4800" b="1" dirty="0" smtClean="0">
+              <a:rPr lang="zh-TW" altLang="en-US" sz="4400" b="1" dirty="0" smtClean="0">
                 <a:latin typeface="微軟正黑體" pitchFamily="34" charset="-120"/>
                 <a:ea typeface="微軟正黑體" pitchFamily="34" charset="-120"/>
               </a:rPr>
               <a:t>見</a:t>
             </a:r>
             <a:r>
-              <a:rPr lang="zh-CN" altLang="en-US" sz="4800" b="1" dirty="0" smtClean="0">
+              <a:rPr lang="zh-CN" altLang="en-US" sz="4400" b="1" dirty="0" smtClean="0">
                 <a:latin typeface="微軟正黑體" pitchFamily="34" charset="-120"/>
                 <a:ea typeface="微軟正黑體" pitchFamily="34" charset="-120"/>
               </a:rPr>
               <a:t>袮</a:t>
             </a:r>
             <a:r>
-              <a:rPr lang="zh-TW" altLang="en-US" sz="4800" b="1" dirty="0" smtClean="0">
+              <a:rPr lang="zh-TW" altLang="en-US" sz="4400" b="1" dirty="0" smtClean="0">
                 <a:latin typeface="微軟正黑體" pitchFamily="34" charset="-120"/>
                 <a:ea typeface="微軟正黑體" pitchFamily="34" charset="-120"/>
               </a:rPr>
               <a:t>面</a:t>
             </a:r>
-            <a:endParaRPr lang="en-US" altLang="zh-TW" sz="4800" b="1" dirty="0">
+            <a:endParaRPr lang="en-US" altLang="zh-TW" sz="4400" b="1" dirty="0">
               <a:latin typeface="微軟正黑體" pitchFamily="34" charset="-120"/>
               <a:ea typeface="微軟正黑體" pitchFamily="34" charset="-120"/>
             </a:endParaRPr>
@@ -3609,7 +3613,7 @@
               <a:buNone/>
             </a:pPr>
             <a:r>
-              <a:rPr lang="zh-TW" altLang="en-US" sz="4800" b="1" dirty="0">
+              <a:rPr lang="zh-TW" altLang="en-US" sz="4400" b="1" dirty="0">
                 <a:latin typeface="微軟正黑體" pitchFamily="34" charset="-120"/>
                 <a:ea typeface="微軟正黑體" pitchFamily="34" charset="-120"/>
               </a:rPr>
@@ -3655,11 +3659,13 @@
         </p:nvSpPr>
         <p:spPr/>
         <p:txBody>
-          <a:bodyPr/>
-          <a:lstStyle/>
-          <a:p>
-            <a:r>
-              <a:rPr lang="zh-TW" altLang="en-US" b="1" dirty="0">
+          <a:bodyPr>
+            <a:normAutofit/>
+          </a:bodyPr>
+          <a:lstStyle/>
+          <a:p>
+            <a:r>
+              <a:rPr lang="zh-TW" altLang="en-US" sz="3600" b="1" dirty="0">
                 <a:latin typeface="微軟正黑體" pitchFamily="34" charset="-120"/>
                 <a:ea typeface="微軟正黑體" pitchFamily="34" charset="-120"/>
               </a:rPr>
@@ -3689,13 +3695,13 @@
               <a:buNone/>
             </a:pPr>
             <a:r>
-              <a:rPr lang="zh-TW" altLang="en-US" sz="4800" b="1" dirty="0">
+              <a:rPr lang="zh-TW" altLang="en-US" sz="4400" b="1" dirty="0">
                 <a:latin typeface="微軟正黑體" pitchFamily="34" charset="-120"/>
                 <a:ea typeface="微軟正黑體" pitchFamily="34" charset="-120"/>
               </a:rPr>
               <a:t>耶穌捉緊我雙手</a:t>
             </a:r>
-            <a:endParaRPr lang="en-US" altLang="zh-TW" sz="4800" b="1" dirty="0">
+            <a:endParaRPr lang="en-US" altLang="zh-TW" sz="4400" b="1" dirty="0">
               <a:latin typeface="微軟正黑體" pitchFamily="34" charset="-120"/>
               <a:ea typeface="微軟正黑體" pitchFamily="34" charset="-120"/>
             </a:endParaRPr>
@@ -3705,13 +3711,13 @@
               <a:buNone/>
             </a:pPr>
             <a:r>
-              <a:rPr lang="zh-TW" altLang="en-US" sz="4800" b="1" dirty="0">
+              <a:rPr lang="zh-TW" altLang="en-US" sz="4400" b="1" dirty="0">
                 <a:latin typeface="微軟正黑體" pitchFamily="34" charset="-120"/>
                 <a:ea typeface="微軟正黑體" pitchFamily="34" charset="-120"/>
               </a:rPr>
               <a:t>仰望那財寶在天上</a:t>
             </a:r>
-            <a:endParaRPr lang="en-US" altLang="zh-TW" sz="4800" b="1" dirty="0">
+            <a:endParaRPr lang="en-US" altLang="zh-TW" sz="4400" b="1" dirty="0">
               <a:latin typeface="微軟正黑體" pitchFamily="34" charset="-120"/>
               <a:ea typeface="微軟正黑體" pitchFamily="34" charset="-120"/>
             </a:endParaRPr>
@@ -3721,13 +3727,13 @@
               <a:buNone/>
             </a:pPr>
             <a:r>
-              <a:rPr lang="zh-TW" altLang="en-US" sz="4800" b="1" dirty="0">
+              <a:rPr lang="zh-TW" altLang="en-US" sz="4400" b="1" dirty="0">
                 <a:latin typeface="微軟正黑體" pitchFamily="34" charset="-120"/>
                 <a:ea typeface="微軟正黑體" pitchFamily="34" charset="-120"/>
               </a:rPr>
               <a:t>愛慕神的   抱著平安</a:t>
             </a:r>
-            <a:endParaRPr lang="en-US" altLang="zh-TW" sz="4800" b="1" dirty="0">
+            <a:endParaRPr lang="en-US" altLang="zh-TW" sz="4400" b="1" dirty="0">
               <a:latin typeface="微軟正黑體" pitchFamily="34" charset="-120"/>
               <a:ea typeface="微軟正黑體" pitchFamily="34" charset="-120"/>
             </a:endParaRPr>
@@ -3737,28 +3743,28 @@
               <a:buNone/>
             </a:pPr>
             <a:r>
-              <a:rPr lang="zh-TW" altLang="en-US" sz="4800" b="1" dirty="0" smtClean="0">
+              <a:rPr lang="zh-TW" altLang="en-US" sz="4400" b="1" dirty="0" smtClean="0">
                 <a:latin typeface="微軟正黑體" pitchFamily="34" charset="-120"/>
                 <a:ea typeface="微軟正黑體" pitchFamily="34" charset="-120"/>
               </a:rPr>
               <a:t>感謝</a:t>
             </a:r>
             <a:r>
-              <a:rPr lang="zh-CN" altLang="en-US" sz="4800" b="1" dirty="0" smtClean="0">
+              <a:rPr lang="zh-CN" altLang="en-US" sz="4400" b="1" dirty="0" smtClean="0">
                 <a:latin typeface="微軟正黑體" pitchFamily="34" charset="-120"/>
                 <a:ea typeface="微軟正黑體" pitchFamily="34" charset="-120"/>
               </a:rPr>
               <a:t>袮</a:t>
             </a:r>
             <a:r>
-              <a:rPr lang="zh-TW" altLang="en-US" sz="4800" b="1" dirty="0" smtClean="0">
+              <a:rPr lang="zh-TW" altLang="en-US" sz="4400" b="1" dirty="0" smtClean="0">
                 <a:latin typeface="微軟正黑體" pitchFamily="34" charset="-120"/>
                 <a:ea typeface="微軟正黑體" pitchFamily="34" charset="-120"/>
               </a:rPr>
               <a:t>為</a:t>
             </a:r>
             <a:r>
-              <a:rPr lang="zh-TW" altLang="en-US" sz="4800" b="1" dirty="0">
+              <a:rPr lang="zh-TW" altLang="en-US" sz="4400" b="1" dirty="0">
                 <a:latin typeface="微軟正黑體" pitchFamily="34" charset="-120"/>
                 <a:ea typeface="微軟正黑體" pitchFamily="34" charset="-120"/>
               </a:rPr>

--- a/信心的等待.pptx
+++ b/信心的等待.pptx
@@ -5,10 +5,16 @@
     <p:sldMasterId id="2147483660" r:id="rId1"/>
   </p:sldMasterIdLst>
   <p:sldIdLst>
-    <p:sldId id="257" r:id="rId2"/>
-    <p:sldId id="258" r:id="rId3"/>
-    <p:sldId id="259" r:id="rId4"/>
-    <p:sldId id="260" r:id="rId5"/>
+    <p:sldId id="261" r:id="rId2"/>
+    <p:sldId id="262" r:id="rId3"/>
+    <p:sldId id="263" r:id="rId4"/>
+    <p:sldId id="264" r:id="rId5"/>
+    <p:sldId id="265" r:id="rId6"/>
+    <p:sldId id="266" r:id="rId7"/>
+    <p:sldId id="267" r:id="rId8"/>
+    <p:sldId id="268" r:id="rId9"/>
+    <p:sldId id="269" r:id="rId10"/>
+    <p:sldId id="270" r:id="rId11"/>
   </p:sldIdLst>
   <p:sldSz cx="9144000" cy="5143500" type="screen16x9"/>
   <p:notesSz cx="6858000" cy="9144000"/>
@@ -107,6 +113,22 @@
       </a:defRPr>
     </a:lvl9pPr>
   </p:defaultTextStyle>
+  <p:extLst>
+    <p:ext uri="{EFAFB233-063F-42B5-8137-9DF3F51BA10A}">
+      <p15:sldGuideLst xmlns:p15="http://schemas.microsoft.com/office/powerpoint/2012/main">
+        <p15:guide id="1" orient="horz" pos="1620">
+          <p15:clr>
+            <a:srgbClr val="A4A3A4"/>
+          </p15:clr>
+        </p15:guide>
+        <p15:guide id="2" pos="2880">
+          <p15:clr>
+            <a:srgbClr val="A4A3A4"/>
+          </p15:clr>
+        </p15:guide>
+      </p15:sldGuideLst>
+    </p:ext>
+  </p:extLst>
 </p:presentation>
 </file>
 
@@ -292,7 +314,7 @@
             <a:fld id="{4E38DB0F-C43F-4C1F-B6F0-7BD3377B547F}" type="datetimeFigureOut">
               <a:rPr lang="zh-TW" altLang="en-US" smtClean="0"/>
               <a:pPr/>
-              <a:t>2020/8/27</a:t>
+              <a:t>2023/3/9</a:t>
             </a:fld>
             <a:endParaRPr lang="zh-TW" altLang="en-US"/>
           </a:p>
@@ -459,7 +481,7 @@
             <a:fld id="{4E38DB0F-C43F-4C1F-B6F0-7BD3377B547F}" type="datetimeFigureOut">
               <a:rPr lang="zh-TW" altLang="en-US" smtClean="0"/>
               <a:pPr/>
-              <a:t>2020/8/27</a:t>
+              <a:t>2023/3/9</a:t>
             </a:fld>
             <a:endParaRPr lang="zh-TW" altLang="en-US"/>
           </a:p>
@@ -636,7 +658,7 @@
             <a:fld id="{4E38DB0F-C43F-4C1F-B6F0-7BD3377B547F}" type="datetimeFigureOut">
               <a:rPr lang="zh-TW" altLang="en-US" smtClean="0"/>
               <a:pPr/>
-              <a:t>2020/8/27</a:t>
+              <a:t>2023/3/9</a:t>
             </a:fld>
             <a:endParaRPr lang="zh-TW" altLang="en-US"/>
           </a:p>
@@ -803,7 +825,7 @@
             <a:fld id="{4E38DB0F-C43F-4C1F-B6F0-7BD3377B547F}" type="datetimeFigureOut">
               <a:rPr lang="zh-TW" altLang="en-US" smtClean="0"/>
               <a:pPr/>
-              <a:t>2020/8/27</a:t>
+              <a:t>2023/3/9</a:t>
             </a:fld>
             <a:endParaRPr lang="zh-TW" altLang="en-US"/>
           </a:p>
@@ -1046,7 +1068,7 @@
             <a:fld id="{4E38DB0F-C43F-4C1F-B6F0-7BD3377B547F}" type="datetimeFigureOut">
               <a:rPr lang="zh-TW" altLang="en-US" smtClean="0"/>
               <a:pPr/>
-              <a:t>2020/8/27</a:t>
+              <a:t>2023/3/9</a:t>
             </a:fld>
             <a:endParaRPr lang="zh-TW" altLang="en-US"/>
           </a:p>
@@ -1331,7 +1353,7 @@
             <a:fld id="{4E38DB0F-C43F-4C1F-B6F0-7BD3377B547F}" type="datetimeFigureOut">
               <a:rPr lang="zh-TW" altLang="en-US" smtClean="0"/>
               <a:pPr/>
-              <a:t>2020/8/27</a:t>
+              <a:t>2023/3/9</a:t>
             </a:fld>
             <a:endParaRPr lang="zh-TW" altLang="en-US"/>
           </a:p>
@@ -1750,7 +1772,7 @@
             <a:fld id="{4E38DB0F-C43F-4C1F-B6F0-7BD3377B547F}" type="datetimeFigureOut">
               <a:rPr lang="zh-TW" altLang="en-US" smtClean="0"/>
               <a:pPr/>
-              <a:t>2020/8/27</a:t>
+              <a:t>2023/3/9</a:t>
             </a:fld>
             <a:endParaRPr lang="zh-TW" altLang="en-US"/>
           </a:p>
@@ -1865,7 +1887,7 @@
             <a:fld id="{4E38DB0F-C43F-4C1F-B6F0-7BD3377B547F}" type="datetimeFigureOut">
               <a:rPr lang="zh-TW" altLang="en-US" smtClean="0"/>
               <a:pPr/>
-              <a:t>2020/8/27</a:t>
+              <a:t>2023/3/9</a:t>
             </a:fld>
             <a:endParaRPr lang="zh-TW" altLang="en-US"/>
           </a:p>
@@ -1957,7 +1979,7 @@
             <a:fld id="{4E38DB0F-C43F-4C1F-B6F0-7BD3377B547F}" type="datetimeFigureOut">
               <a:rPr lang="zh-TW" altLang="en-US" smtClean="0"/>
               <a:pPr/>
-              <a:t>2020/8/27</a:t>
+              <a:t>2023/3/9</a:t>
             </a:fld>
             <a:endParaRPr lang="zh-TW" altLang="en-US"/>
           </a:p>
@@ -2231,7 +2253,7 @@
             <a:fld id="{4E38DB0F-C43F-4C1F-B6F0-7BD3377B547F}" type="datetimeFigureOut">
               <a:rPr lang="zh-TW" altLang="en-US" smtClean="0"/>
               <a:pPr/>
-              <a:t>2020/8/27</a:t>
+              <a:t>2023/3/9</a:t>
             </a:fld>
             <a:endParaRPr lang="zh-TW" altLang="en-US"/>
           </a:p>
@@ -2485,7 +2507,7 @@
             <a:fld id="{4E38DB0F-C43F-4C1F-B6F0-7BD3377B547F}" type="datetimeFigureOut">
               <a:rPr lang="zh-TW" altLang="en-US" smtClean="0"/>
               <a:pPr/>
-              <a:t>2020/8/27</a:t>
+              <a:t>2023/3/9</a:t>
             </a:fld>
             <a:endParaRPr lang="zh-TW" altLang="en-US"/>
           </a:p>
@@ -2700,7 +2722,7 @@
             <a:fld id="{4E38DB0F-C43F-4C1F-B6F0-7BD3377B547F}" type="datetimeFigureOut">
               <a:rPr lang="zh-TW" altLang="en-US" smtClean="0"/>
               <a:pPr/>
-              <a:t>2020/8/27</a:t>
+              <a:t>2023/3/9</a:t>
             </a:fld>
             <a:endParaRPr lang="zh-TW" altLang="en-US"/>
           </a:p>
@@ -3073,45 +3095,18 @@
       </p:grpSpPr>
       <p:sp>
         <p:nvSpPr>
-          <p:cNvPr id="2" name="標題 1"/>
+          <p:cNvPr id="4" name="標題 3"/>
           <p:cNvSpPr>
             <a:spLocks noGrp="1"/>
           </p:cNvSpPr>
           <p:nvPr>
             <p:ph type="title"/>
-          </p:nvPr>
-        </p:nvSpPr>
-        <p:spPr/>
-        <p:txBody>
-          <a:bodyPr>
-            <a:normAutofit/>
-          </a:bodyPr>
-          <a:lstStyle/>
-          <a:p>
-            <a:r>
-              <a:rPr lang="zh-TW" altLang="en-US" sz="3600" b="1" dirty="0">
-                <a:latin typeface="微軟正黑體" pitchFamily="34" charset="-120"/>
-                <a:ea typeface="微軟正黑體" pitchFamily="34" charset="-120"/>
-              </a:rPr>
-              <a:t>信心的等待</a:t>
-            </a:r>
-          </a:p>
-        </p:txBody>
-      </p:sp>
-      <p:sp>
-        <p:nvSpPr>
-          <p:cNvPr id="3" name="內容版面配置區 2"/>
-          <p:cNvSpPr>
-            <a:spLocks noGrp="1"/>
-          </p:cNvSpPr>
-          <p:nvPr>
-            <p:ph idx="1"/>
           </p:nvPr>
         </p:nvSpPr>
         <p:spPr>
           <a:xfrm>
-            <a:off x="457200" y="1200150"/>
-            <a:ext cx="8229600" cy="3943350"/>
+            <a:off x="0" y="1995686"/>
+            <a:ext cx="9144000" cy="857250"/>
           </a:xfrm>
         </p:spPr>
         <p:txBody>
@@ -3120,24 +3115,132 @@
           </a:bodyPr>
           <a:lstStyle/>
           <a:p>
-            <a:pPr algn="ctr">
-              <a:buNone/>
-            </a:pPr>
-            <a:r>
-              <a:rPr lang="zh-TW" altLang="en-US" sz="4000" b="1" dirty="0">
+            <a:r>
+              <a:rPr lang="zh-TW" altLang="en-US" sz="5400" b="1" i="1" dirty="0">
+                <a:solidFill>
+                  <a:srgbClr val="000066"/>
+                </a:solidFill>
+                <a:effectLst>
+                  <a:outerShdw blurRad="38100" dist="38100" dir="2700000" algn="tl">
+                    <a:srgbClr val="000000">
+                      <a:alpha val="43137"/>
+                    </a:srgbClr>
+                  </a:outerShdw>
+                </a:effectLst>
                 <a:latin typeface="微軟正黑體" pitchFamily="34" charset="-120"/>
                 <a:ea typeface="微軟正黑體" pitchFamily="34" charset="-120"/>
               </a:rPr>
-              <a:t>明天怎麼你還是</a:t>
-            </a:r>
-            <a:r>
-              <a:rPr lang="zh-TW" altLang="en-US" sz="4000" b="1" dirty="0" smtClean="0">
+              <a:t>信</a:t>
+            </a:r>
+            <a:r>
+              <a:rPr lang="zh-TW" altLang="en-US" sz="5400" b="1" i="1" dirty="0">
+                <a:solidFill>
+                  <a:srgbClr val="000066"/>
+                </a:solidFill>
+                <a:effectLst>
+                  <a:outerShdw blurRad="38100" dist="38100" dir="2700000" algn="tl">
+                    <a:srgbClr val="000000">
+                      <a:alpha val="43137"/>
+                    </a:srgbClr>
+                  </a:outerShdw>
+                </a:effectLst>
                 <a:latin typeface="微軟正黑體" pitchFamily="34" charset="-120"/>
                 <a:ea typeface="微軟正黑體" pitchFamily="34" charset="-120"/>
               </a:rPr>
-              <a:t>不知道</a:t>
-            </a:r>
-            <a:endParaRPr lang="en-US" altLang="zh-TW" sz="4000" b="1" dirty="0" smtClean="0">
+              <a:t>心的等待</a:t>
+            </a:r>
+          </a:p>
+        </p:txBody>
+      </p:sp>
+    </p:spTree>
+    <p:extLst>
+      <p:ext uri="{BB962C8B-B14F-4D97-AF65-F5344CB8AC3E}">
+        <p14:creationId xmlns:p14="http://schemas.microsoft.com/office/powerpoint/2010/main" val="589309153"/>
+      </p:ext>
+    </p:extLst>
+  </p:cSld>
+  <p:clrMapOvr>
+    <a:masterClrMapping/>
+  </p:clrMapOvr>
+</p:sld>
+</file>
+
+<file path=ppt/slides/slide10.xml><?xml version="1.0" encoding="utf-8"?>
+<p:sld xmlns:a="http://schemas.openxmlformats.org/drawingml/2006/main" xmlns:r="http://schemas.openxmlformats.org/officeDocument/2006/relationships" xmlns:p="http://schemas.openxmlformats.org/presentationml/2006/main">
+  <p:cSld>
+    <p:spTree>
+      <p:nvGrpSpPr>
+        <p:cNvPr id="1" name=""/>
+        <p:cNvGrpSpPr/>
+        <p:nvPr/>
+      </p:nvGrpSpPr>
+      <p:grpSpPr>
+        <a:xfrm>
+          <a:off x="0" y="0"/>
+          <a:ext cx="0" cy="0"/>
+          <a:chOff x="0" y="0"/>
+          <a:chExt cx="0" cy="0"/>
+        </a:xfrm>
+      </p:grpSpPr>
+      <p:sp>
+        <p:nvSpPr>
+          <p:cNvPr id="5" name="內容版面配置區 4"/>
+          <p:cNvSpPr>
+            <a:spLocks noGrp="1"/>
+          </p:cNvSpPr>
+          <p:nvPr>
+            <p:ph idx="1"/>
+          </p:nvPr>
+        </p:nvSpPr>
+        <p:spPr>
+          <a:xfrm>
+            <a:off x="0" y="1563639"/>
+            <a:ext cx="9144000" cy="1803647"/>
+          </a:xfrm>
+        </p:spPr>
+        <p:txBody>
+          <a:bodyPr anchor="ctr">
+            <a:normAutofit/>
+          </a:bodyPr>
+          <a:lstStyle/>
+          <a:p>
+            <a:pPr algn="ctr">
+              <a:buNone/>
+            </a:pPr>
+            <a:r>
+              <a:rPr lang="zh-TW" altLang="en-US" sz="4800" b="1" dirty="0">
+                <a:solidFill>
+                  <a:srgbClr val="000066"/>
+                </a:solidFill>
+                <a:latin typeface="微軟正黑體" pitchFamily="34" charset="-120"/>
+                <a:ea typeface="微軟正黑體" pitchFamily="34" charset="-120"/>
+              </a:rPr>
+              <a:t>愛慕神</a:t>
+            </a:r>
+            <a:r>
+              <a:rPr lang="zh-TW" altLang="en-US" sz="4800" b="1" dirty="0">
+                <a:solidFill>
+                  <a:srgbClr val="000066"/>
+                </a:solidFill>
+                <a:latin typeface="微軟正黑體" pitchFamily="34" charset="-120"/>
+                <a:ea typeface="微軟正黑體" pitchFamily="34" charset="-120"/>
+              </a:rPr>
+              <a:t>的  抱</a:t>
+            </a:r>
+            <a:r>
+              <a:rPr lang="zh-TW" altLang="en-US" sz="4800" b="1" dirty="0">
+                <a:solidFill>
+                  <a:srgbClr val="000066"/>
+                </a:solidFill>
+                <a:latin typeface="微軟正黑體" pitchFamily="34" charset="-120"/>
+                <a:ea typeface="微軟正黑體" pitchFamily="34" charset="-120"/>
+              </a:rPr>
+              <a:t>著平安</a:t>
+            </a:r>
+            <a:endParaRPr lang="en-US" altLang="zh-TW" sz="4800" b="1" dirty="0">
+              <a:solidFill>
+                <a:srgbClr val="000066"/>
+              </a:solidFill>
               <a:latin typeface="微軟正黑體" pitchFamily="34" charset="-120"/>
               <a:ea typeface="微軟正黑體" pitchFamily="34" charset="-120"/>
             </a:endParaRPr>
@@ -3147,117 +3250,106 @@
               <a:buNone/>
             </a:pPr>
             <a:r>
-              <a:rPr lang="zh-TW" altLang="en-US" sz="4000" b="1" dirty="0" smtClean="0">
+              <a:rPr lang="zh-TW" altLang="en-US" sz="4800" b="1" dirty="0">
+                <a:solidFill>
+                  <a:srgbClr val="000066"/>
+                </a:solidFill>
                 <a:latin typeface="微軟正黑體" pitchFamily="34" charset="-120"/>
                 <a:ea typeface="微軟正黑體" pitchFamily="34" charset="-120"/>
               </a:rPr>
-              <a:t>越</a:t>
-            </a:r>
-            <a:r>
-              <a:rPr lang="zh-TW" altLang="en-US" sz="4000" b="1" dirty="0">
+              <a:t>感謝</a:t>
+            </a:r>
+            <a:r>
+              <a:rPr lang="zh-CN" altLang="en-US" sz="4800" b="1" dirty="0">
+                <a:solidFill>
+                  <a:srgbClr val="000066"/>
+                </a:solidFill>
                 <a:latin typeface="微軟正黑體" pitchFamily="34" charset="-120"/>
                 <a:ea typeface="微軟正黑體" pitchFamily="34" charset="-120"/>
               </a:rPr>
-              <a:t>想得到的總會得</a:t>
-            </a:r>
-            <a:r>
-              <a:rPr lang="zh-TW" altLang="en-US" sz="4000" b="1" dirty="0" smtClean="0">
+              <a:t>袮</a:t>
+            </a:r>
+            <a:r>
+              <a:rPr lang="zh-TW" altLang="en-US" sz="4800" b="1" dirty="0">
+                <a:solidFill>
+                  <a:srgbClr val="000066"/>
+                </a:solidFill>
                 <a:latin typeface="微軟正黑體" pitchFamily="34" charset="-120"/>
                 <a:ea typeface="微軟正黑體" pitchFamily="34" charset="-120"/>
               </a:rPr>
-              <a:t>不到</a:t>
-            </a:r>
-            <a:endParaRPr lang="en-US" altLang="zh-TW" sz="4000" b="1" dirty="0">
-              <a:latin typeface="微軟正黑體" pitchFamily="34" charset="-120"/>
-              <a:ea typeface="微軟正黑體" pitchFamily="34" charset="-120"/>
+              <a:t>為我所編寫的一切</a:t>
+            </a:r>
+          </a:p>
+        </p:txBody>
+      </p:sp>
+      <p:sp>
+        <p:nvSpPr>
+          <p:cNvPr id="3" name="TextBox 2"/>
+          <p:cNvSpPr txBox="1"/>
+          <p:nvPr/>
+        </p:nvSpPr>
+        <p:spPr>
+          <a:xfrm>
+            <a:off x="0" y="3867895"/>
+            <a:ext cx="9144000" cy="507831"/>
+          </a:xfrm>
+          <a:prstGeom prst="rect">
+            <a:avLst/>
+          </a:prstGeom>
+          <a:noFill/>
+        </p:spPr>
+        <p:txBody>
+          <a:bodyPr wrap="square" rtlCol="0">
+            <a:spAutoFit/>
+          </a:bodyPr>
+          <a:lstStyle/>
+          <a:p>
+            <a:pPr algn="ctr"/>
+            <a:r>
+              <a:rPr lang="en-US" sz="2700" b="1" dirty="0">
+                <a:solidFill>
+                  <a:srgbClr val="000066"/>
+                </a:solidFill>
+                <a:latin typeface="Microsoft JhengHei" panose="020B0604030504040204" pitchFamily="34" charset="-120"/>
+                <a:ea typeface="Microsoft JhengHei" panose="020B0604030504040204" pitchFamily="34" charset="-120"/>
+              </a:rPr>
+              <a:t>( </a:t>
+            </a:r>
+            <a:r>
+              <a:rPr lang="zh-CN" altLang="en-US" sz="2700" b="1" dirty="0">
+                <a:solidFill>
+                  <a:srgbClr val="000066"/>
+                </a:solidFill>
+                <a:latin typeface="Microsoft JhengHei" panose="020B0604030504040204" pitchFamily="34" charset="-120"/>
+                <a:ea typeface="Microsoft JhengHei" panose="020B0604030504040204" pitchFamily="34" charset="-120"/>
+              </a:rPr>
+              <a:t>副歌</a:t>
+            </a:r>
+            <a:r>
+              <a:rPr lang="en-US" sz="2700" b="1" dirty="0">
+                <a:solidFill>
+                  <a:srgbClr val="000066"/>
+                </a:solidFill>
+                <a:latin typeface="Microsoft JhengHei" panose="020B0604030504040204" pitchFamily="34" charset="-120"/>
+                <a:ea typeface="Microsoft JhengHei" panose="020B0604030504040204" pitchFamily="34" charset="-120"/>
+              </a:rPr>
+              <a:t> )</a:t>
+            </a:r>
+            <a:endParaRPr lang="vi-VN" sz="2700" b="1" dirty="0">
+              <a:solidFill>
+                <a:srgbClr val="000066"/>
+              </a:solidFill>
+              <a:ea typeface="Microsoft JhengHei" panose="020B0604030504040204" pitchFamily="34" charset="-120"/>
             </a:endParaRPr>
           </a:p>
-          <a:p>
-            <a:pPr algn="ctr">
-              <a:buNone/>
-            </a:pPr>
-            <a:r>
-              <a:rPr lang="zh-TW" altLang="en-US" sz="4000" b="1" dirty="0" smtClean="0">
-                <a:latin typeface="微軟正黑體" pitchFamily="34" charset="-120"/>
-                <a:ea typeface="微軟正黑體" pitchFamily="34" charset="-120"/>
-              </a:rPr>
-              <a:t>人</a:t>
-            </a:r>
-            <a:r>
-              <a:rPr lang="zh-TW" altLang="en-US" sz="4000" b="1" dirty="0">
-                <a:latin typeface="微軟正黑體" pitchFamily="34" charset="-120"/>
-                <a:ea typeface="微軟正黑體" pitchFamily="34" charset="-120"/>
-              </a:rPr>
-              <a:t>生就像一片</a:t>
-            </a:r>
-            <a:r>
-              <a:rPr lang="zh-TW" altLang="en-US" sz="4000" b="1" dirty="0" smtClean="0">
-                <a:latin typeface="微軟正黑體" pitchFamily="34" charset="-120"/>
-                <a:ea typeface="微軟正黑體" pitchFamily="34" charset="-120"/>
-              </a:rPr>
-              <a:t>雲霧</a:t>
-            </a:r>
-            <a:endParaRPr lang="en-US" altLang="zh-TW" sz="4000" b="1" dirty="0" smtClean="0">
-              <a:latin typeface="微軟正黑體" pitchFamily="34" charset="-120"/>
-              <a:ea typeface="微軟正黑體" pitchFamily="34" charset="-120"/>
-            </a:endParaRPr>
-          </a:p>
-          <a:p>
-            <a:pPr algn="ctr">
-              <a:buNone/>
-            </a:pPr>
-            <a:r>
-              <a:rPr lang="zh-TW" altLang="en-US" sz="4000" b="1" dirty="0" smtClean="0">
-                <a:latin typeface="微軟正黑體" pitchFamily="34" charset="-120"/>
-                <a:ea typeface="微軟正黑體" pitchFamily="34" charset="-120"/>
-              </a:rPr>
-              <a:t>出現</a:t>
-            </a:r>
-            <a:r>
-              <a:rPr lang="zh-TW" altLang="en-US" sz="4000" b="1" dirty="0">
-                <a:latin typeface="微軟正黑體" pitchFamily="34" charset="-120"/>
-                <a:ea typeface="微軟正黑體" pitchFamily="34" charset="-120"/>
-              </a:rPr>
-              <a:t>少時就不</a:t>
-            </a:r>
-            <a:r>
-              <a:rPr lang="zh-TW" altLang="en-US" sz="4000" b="1" dirty="0" smtClean="0">
-                <a:latin typeface="微軟正黑體" pitchFamily="34" charset="-120"/>
-                <a:ea typeface="微軟正黑體" pitchFamily="34" charset="-120"/>
-              </a:rPr>
-              <a:t>見到</a:t>
-            </a:r>
-            <a:endParaRPr lang="en-US" altLang="zh-TW" sz="4000" b="1" dirty="0" smtClean="0">
-              <a:latin typeface="微軟正黑體" pitchFamily="34" charset="-120"/>
-              <a:ea typeface="微軟正黑體" pitchFamily="34" charset="-120"/>
-            </a:endParaRPr>
-          </a:p>
-          <a:p>
-            <a:pPr algn="ctr">
-              <a:buNone/>
-            </a:pPr>
-            <a:r>
-              <a:rPr lang="zh-TW" altLang="en-US" sz="4000" b="1" dirty="0" smtClean="0">
-                <a:latin typeface="微軟正黑體" pitchFamily="34" charset="-120"/>
-                <a:ea typeface="微軟正黑體" pitchFamily="34" charset="-120"/>
-              </a:rPr>
-              <a:t>何必計較那得失終</a:t>
-            </a:r>
-            <a:r>
-              <a:rPr lang="zh-TW" altLang="en-US" sz="4000" b="1" dirty="0" smtClean="0">
-                <a:latin typeface="微軟正黑體" pitchFamily="34" charset="-120"/>
-                <a:ea typeface="微軟正黑體" pitchFamily="34" charset="-120"/>
-              </a:rPr>
-              <a:t>老</a:t>
-            </a:r>
-            <a:endParaRPr lang="en-US" altLang="zh-TW" sz="4000" b="1" dirty="0" smtClean="0">
-              <a:latin typeface="微軟正黑體" pitchFamily="34" charset="-120"/>
-              <a:ea typeface="微軟正黑體" pitchFamily="34" charset="-120"/>
-            </a:endParaRPr>
-          </a:p>
         </p:txBody>
       </p:sp>
     </p:spTree>
+    <p:extLst>
+      <p:ext uri="{BB962C8B-B14F-4D97-AF65-F5344CB8AC3E}">
+        <p14:creationId xmlns:p14="http://schemas.microsoft.com/office/powerpoint/2010/main" val="1170667520"/>
+      </p:ext>
+    </p:extLst>
   </p:cSld>
   <p:clrMapOvr>
     <a:masterClrMapping/>
@@ -3284,66 +3376,43 @@
       </p:grpSpPr>
       <p:sp>
         <p:nvSpPr>
-          <p:cNvPr id="2" name="標題 1"/>
-          <p:cNvSpPr>
-            <a:spLocks noGrp="1"/>
-          </p:cNvSpPr>
-          <p:nvPr>
-            <p:ph type="title"/>
-          </p:nvPr>
-        </p:nvSpPr>
-        <p:spPr/>
-        <p:txBody>
-          <a:bodyPr>
+          <p:cNvPr id="5" name="內容版面配置區 4"/>
+          <p:cNvSpPr>
+            <a:spLocks noGrp="1"/>
+          </p:cNvSpPr>
+          <p:nvPr>
+            <p:ph idx="1"/>
+          </p:nvPr>
+        </p:nvSpPr>
+        <p:spPr>
+          <a:xfrm>
+            <a:off x="0" y="1563639"/>
+            <a:ext cx="9144000" cy="1803647"/>
+          </a:xfrm>
+        </p:spPr>
+        <p:txBody>
+          <a:bodyPr anchor="ctr">
             <a:normAutofit/>
           </a:bodyPr>
           <a:lstStyle/>
           <a:p>
-            <a:r>
-              <a:rPr lang="zh-TW" altLang="en-US" sz="3600" b="1" dirty="0">
+            <a:pPr algn="ctr">
+              <a:buNone/>
+            </a:pPr>
+            <a:r>
+              <a:rPr lang="zh-TW" altLang="en-US" sz="4800" b="1" dirty="0">
+                <a:solidFill>
+                  <a:srgbClr val="000066"/>
+                </a:solidFill>
                 <a:latin typeface="微軟正黑體" pitchFamily="34" charset="-120"/>
                 <a:ea typeface="微軟正黑體" pitchFamily="34" charset="-120"/>
               </a:rPr>
-              <a:t>信心的等待</a:t>
-            </a:r>
-          </a:p>
-        </p:txBody>
-      </p:sp>
-      <p:sp>
-        <p:nvSpPr>
-          <p:cNvPr id="3" name="內容版面配置區 2"/>
-          <p:cNvSpPr>
-            <a:spLocks noGrp="1"/>
-          </p:cNvSpPr>
-          <p:nvPr>
-            <p:ph idx="1"/>
-          </p:nvPr>
-        </p:nvSpPr>
-        <p:spPr/>
-        <p:txBody>
-          <a:bodyPr>
-            <a:noAutofit/>
-          </a:bodyPr>
-          <a:lstStyle/>
-          <a:p>
-            <a:pPr algn="ctr">
-              <a:buNone/>
-            </a:pPr>
-            <a:r>
-              <a:rPr lang="zh-TW" altLang="en-US" sz="4400" b="1" dirty="0" smtClean="0">
-                <a:latin typeface="微軟正黑體" pitchFamily="34" charset="-120"/>
-                <a:ea typeface="微軟正黑體" pitchFamily="34" charset="-120"/>
-              </a:rPr>
-              <a:t>在</a:t>
-            </a:r>
-            <a:r>
-              <a:rPr lang="zh-TW" altLang="en-US" sz="4400" b="1" dirty="0">
-                <a:latin typeface="微軟正黑體" pitchFamily="34" charset="-120"/>
-                <a:ea typeface="微軟正黑體" pitchFamily="34" charset="-120"/>
-              </a:rPr>
-              <a:t>這幽谷之中我宣告</a:t>
-            </a:r>
-            <a:endParaRPr lang="en-US" altLang="zh-TW" sz="4400" b="1" dirty="0">
+              <a:t>明天怎麼你還是不知道</a:t>
+            </a:r>
+            <a:endParaRPr lang="en-US" altLang="zh-TW" sz="4800" b="1" dirty="0">
+              <a:solidFill>
+                <a:srgbClr val="000066"/>
+              </a:solidFill>
               <a:latin typeface="微軟正黑體" pitchFamily="34" charset="-120"/>
               <a:ea typeface="微軟正黑體" pitchFamily="34" charset="-120"/>
             </a:endParaRPr>
@@ -3353,104 +3422,93 @@
               <a:buNone/>
             </a:pPr>
             <a:r>
-              <a:rPr lang="zh-TW" altLang="en-US" sz="4400" b="1" dirty="0">
+              <a:rPr lang="zh-TW" altLang="en-US" sz="4800" b="1" dirty="0">
+                <a:solidFill>
+                  <a:srgbClr val="000066"/>
+                </a:solidFill>
                 <a:latin typeface="微軟正黑體" pitchFamily="34" charset="-120"/>
                 <a:ea typeface="微軟正黑體" pitchFamily="34" charset="-120"/>
               </a:rPr>
-              <a:t>不必怕因</a:t>
-            </a:r>
-            <a:r>
-              <a:rPr lang="zh-TW" altLang="en-US" sz="4400" b="1" dirty="0" smtClean="0">
-                <a:latin typeface="微軟正黑體" pitchFamily="34" charset="-120"/>
-                <a:ea typeface="微軟正黑體" pitchFamily="34" charset="-120"/>
-              </a:rPr>
-              <a:t>有</a:t>
-            </a:r>
-            <a:r>
-              <a:rPr lang="zh-CN" altLang="en-US" sz="4400" b="1" dirty="0" smtClean="0">
-                <a:latin typeface="微軟正黑體" pitchFamily="34" charset="-120"/>
-                <a:ea typeface="微軟正黑體" pitchFamily="34" charset="-120"/>
-              </a:rPr>
-              <a:t>袮</a:t>
-            </a:r>
-            <a:r>
-              <a:rPr lang="zh-TW" altLang="en-US" sz="4400" b="1" dirty="0" smtClean="0">
-                <a:latin typeface="微軟正黑體" pitchFamily="34" charset="-120"/>
-                <a:ea typeface="微軟正黑體" pitchFamily="34" charset="-120"/>
-              </a:rPr>
-              <a:t>同</a:t>
-            </a:r>
-            <a:r>
-              <a:rPr lang="zh-TW" altLang="en-US" sz="4400" b="1" dirty="0">
-                <a:latin typeface="微軟正黑體" pitchFamily="34" charset="-120"/>
-                <a:ea typeface="微軟正黑體" pitchFamily="34" charset="-120"/>
-              </a:rPr>
-              <a:t>在</a:t>
-            </a:r>
-            <a:endParaRPr lang="en-US" altLang="zh-TW" sz="4400" b="1" dirty="0">
+              <a:t>越想得到的總會得不到</a:t>
+            </a:r>
+            <a:endParaRPr lang="en-US" altLang="zh-TW" sz="4800" b="1" dirty="0">
+              <a:solidFill>
+                <a:srgbClr val="000066"/>
+              </a:solidFill>
               <a:latin typeface="微軟正黑體" pitchFamily="34" charset="-120"/>
               <a:ea typeface="微軟正黑體" pitchFamily="34" charset="-120"/>
             </a:endParaRPr>
           </a:p>
-          <a:p>
-            <a:pPr algn="ctr">
-              <a:buNone/>
-            </a:pPr>
-            <a:r>
-              <a:rPr lang="zh-TW" altLang="en-US" sz="4400" b="1" dirty="0">
-                <a:latin typeface="微軟正黑體" pitchFamily="34" charset="-120"/>
-                <a:ea typeface="微軟正黑體" pitchFamily="34" charset="-120"/>
-              </a:rPr>
-              <a:t>別人笑我為甚麼等待</a:t>
-            </a:r>
-            <a:endParaRPr lang="en-US" altLang="zh-TW" sz="4400" b="1" dirty="0">
-              <a:latin typeface="微軟正黑體" pitchFamily="34" charset="-120"/>
-              <a:ea typeface="微軟正黑體" pitchFamily="34" charset="-120"/>
+        </p:txBody>
+      </p:sp>
+      <p:sp>
+        <p:nvSpPr>
+          <p:cNvPr id="3" name="TextBox 2"/>
+          <p:cNvSpPr txBox="1"/>
+          <p:nvPr/>
+        </p:nvSpPr>
+        <p:spPr>
+          <a:xfrm>
+            <a:off x="0" y="3867895"/>
+            <a:ext cx="9144000" cy="507831"/>
+          </a:xfrm>
+          <a:prstGeom prst="rect">
+            <a:avLst/>
+          </a:prstGeom>
+          <a:noFill/>
+        </p:spPr>
+        <p:txBody>
+          <a:bodyPr wrap="square" rtlCol="0">
+            <a:spAutoFit/>
+          </a:bodyPr>
+          <a:lstStyle/>
+          <a:p>
+            <a:pPr algn="ctr"/>
+            <a:r>
+              <a:rPr lang="en-US" sz="2700" b="1" dirty="0">
+                <a:solidFill>
+                  <a:srgbClr val="000066"/>
+                </a:solidFill>
+                <a:latin typeface="Microsoft JhengHei" panose="020B0604030504040204" pitchFamily="34" charset="-120"/>
+                <a:ea typeface="Microsoft JhengHei" panose="020B0604030504040204" pitchFamily="34" charset="-120"/>
+              </a:rPr>
+              <a:t>( </a:t>
+            </a:r>
+            <a:r>
+              <a:rPr lang="zh-CN" altLang="en-US" sz="2700" b="1" dirty="0">
+                <a:solidFill>
+                  <a:srgbClr val="000066"/>
+                </a:solidFill>
+                <a:latin typeface="Microsoft JhengHei" panose="020B0604030504040204" pitchFamily="34" charset="-120"/>
+                <a:ea typeface="Microsoft JhengHei" panose="020B0604030504040204" pitchFamily="34" charset="-120"/>
+              </a:rPr>
+              <a:t>正歌</a:t>
+            </a:r>
+            <a:r>
+              <a:rPr lang="en-US" sz="2700" b="1" dirty="0">
+                <a:solidFill>
+                  <a:srgbClr val="000066"/>
+                </a:solidFill>
+                <a:latin typeface="Microsoft JhengHei" panose="020B0604030504040204" pitchFamily="34" charset="-120"/>
+                <a:ea typeface="Microsoft JhengHei" panose="020B0604030504040204" pitchFamily="34" charset="-120"/>
+              </a:rPr>
+              <a:t> )</a:t>
+            </a:r>
+            <a:endParaRPr lang="vi-VN" sz="2700" b="1" dirty="0">
+              <a:solidFill>
+                <a:srgbClr val="000066"/>
+              </a:solidFill>
+              <a:ea typeface="Microsoft JhengHei" panose="020B0604030504040204" pitchFamily="34" charset="-120"/>
             </a:endParaRPr>
           </a:p>
-          <a:p>
-            <a:pPr algn="ctr">
-              <a:buNone/>
-            </a:pPr>
-            <a:r>
-              <a:rPr lang="zh-TW" altLang="en-US" sz="4400" b="1" dirty="0">
-                <a:latin typeface="微軟正黑體" pitchFamily="34" charset="-120"/>
-                <a:ea typeface="微軟正黑體" pitchFamily="34" charset="-120"/>
-              </a:rPr>
-              <a:t>因我知道盼望</a:t>
-            </a:r>
-            <a:r>
-              <a:rPr lang="zh-TW" altLang="en-US" sz="4400" b="1" dirty="0" smtClean="0">
-                <a:latin typeface="微軟正黑體" pitchFamily="34" charset="-120"/>
-                <a:ea typeface="微軟正黑體" pitchFamily="34" charset="-120"/>
-              </a:rPr>
-              <a:t>因</a:t>
-            </a:r>
-            <a:r>
-              <a:rPr lang="zh-CN" altLang="en-US" sz="4400" b="1" dirty="0" smtClean="0">
-                <a:latin typeface="微軟正黑體" pitchFamily="34" charset="-120"/>
-                <a:ea typeface="微軟正黑體" pitchFamily="34" charset="-120"/>
-              </a:rPr>
-              <a:t>袮</a:t>
-            </a:r>
-            <a:r>
-              <a:rPr lang="zh-TW" altLang="en-US" sz="4400" b="1" dirty="0" smtClean="0">
-                <a:latin typeface="微軟正黑體" pitchFamily="34" charset="-120"/>
-                <a:ea typeface="微軟正黑體" pitchFamily="34" charset="-120"/>
-              </a:rPr>
-              <a:t>而</a:t>
-            </a:r>
-            <a:r>
-              <a:rPr lang="zh-TW" altLang="en-US" sz="4400" b="1" dirty="0">
-                <a:latin typeface="微軟正黑體" pitchFamily="34" charset="-120"/>
-                <a:ea typeface="微軟正黑體" pitchFamily="34" charset="-120"/>
-              </a:rPr>
-              <a:t>來</a:t>
-            </a:r>
-          </a:p>
         </p:txBody>
       </p:sp>
     </p:spTree>
+    <p:extLst>
+      <p:ext uri="{BB962C8B-B14F-4D97-AF65-F5344CB8AC3E}">
+        <p14:creationId xmlns:p14="http://schemas.microsoft.com/office/powerpoint/2010/main" val="2654469277"/>
+      </p:ext>
+    </p:extLst>
   </p:cSld>
   <p:clrMapOvr>
     <a:masterClrMapping/>
@@ -3477,59 +3535,43 @@
       </p:grpSpPr>
       <p:sp>
         <p:nvSpPr>
-          <p:cNvPr id="2" name="標題 1"/>
-          <p:cNvSpPr>
-            <a:spLocks noGrp="1"/>
-          </p:cNvSpPr>
-          <p:nvPr>
-            <p:ph type="title"/>
-          </p:nvPr>
-        </p:nvSpPr>
-        <p:spPr/>
-        <p:txBody>
-          <a:bodyPr>
+          <p:cNvPr id="5" name="內容版面配置區 4"/>
+          <p:cNvSpPr>
+            <a:spLocks noGrp="1"/>
+          </p:cNvSpPr>
+          <p:nvPr>
+            <p:ph idx="1"/>
+          </p:nvPr>
+        </p:nvSpPr>
+        <p:spPr>
+          <a:xfrm>
+            <a:off x="0" y="1563639"/>
+            <a:ext cx="9144000" cy="1803647"/>
+          </a:xfrm>
+        </p:spPr>
+        <p:txBody>
+          <a:bodyPr anchor="ctr">
             <a:normAutofit/>
           </a:bodyPr>
           <a:lstStyle/>
           <a:p>
-            <a:r>
-              <a:rPr lang="zh-TW" altLang="en-US" sz="3600" b="1" dirty="0">
+            <a:pPr algn="ctr">
+              <a:buNone/>
+            </a:pPr>
+            <a:r>
+              <a:rPr lang="zh-TW" altLang="en-US" sz="4800" b="1" dirty="0">
+                <a:solidFill>
+                  <a:srgbClr val="000066"/>
+                </a:solidFill>
                 <a:latin typeface="微軟正黑體" pitchFamily="34" charset="-120"/>
                 <a:ea typeface="微軟正黑體" pitchFamily="34" charset="-120"/>
               </a:rPr>
-              <a:t>信心的等待</a:t>
-            </a:r>
-          </a:p>
-        </p:txBody>
-      </p:sp>
-      <p:sp>
-        <p:nvSpPr>
-          <p:cNvPr id="3" name="內容版面配置區 2"/>
-          <p:cNvSpPr>
-            <a:spLocks noGrp="1"/>
-          </p:cNvSpPr>
-          <p:nvPr>
-            <p:ph idx="1"/>
-          </p:nvPr>
-        </p:nvSpPr>
-        <p:spPr/>
-        <p:txBody>
-          <a:bodyPr>
-            <a:noAutofit/>
-          </a:bodyPr>
-          <a:lstStyle/>
-          <a:p>
-            <a:pPr algn="ctr">
-              <a:buNone/>
-            </a:pPr>
-            <a:r>
-              <a:rPr lang="zh-TW" altLang="en-US" sz="4400" b="1" dirty="0">
-                <a:latin typeface="微軟正黑體" pitchFamily="34" charset="-120"/>
-                <a:ea typeface="微軟正黑體" pitchFamily="34" charset="-120"/>
-              </a:rPr>
-              <a:t>耶穌捉緊我雙手</a:t>
-            </a:r>
-            <a:endParaRPr lang="en-US" altLang="zh-TW" sz="4400" b="1" dirty="0">
+              <a:t>人生就像一片雲霧</a:t>
+            </a:r>
+            <a:endParaRPr lang="en-US" altLang="zh-TW" sz="4800" b="1" dirty="0">
+              <a:solidFill>
+                <a:srgbClr val="000066"/>
+              </a:solidFill>
               <a:latin typeface="微軟正黑體" pitchFamily="34" charset="-120"/>
               <a:ea typeface="微軟正黑體" pitchFamily="34" charset="-120"/>
             </a:endParaRPr>
@@ -3539,90 +3581,93 @@
               <a:buNone/>
             </a:pPr>
             <a:r>
-              <a:rPr lang="zh-TW" altLang="en-US" sz="4400" b="1" dirty="0" smtClean="0">
+              <a:rPr lang="zh-TW" altLang="en-US" sz="4800" b="1" dirty="0">
+                <a:solidFill>
+                  <a:srgbClr val="000066"/>
+                </a:solidFill>
                 <a:latin typeface="微軟正黑體" pitchFamily="34" charset="-120"/>
                 <a:ea typeface="微軟正黑體" pitchFamily="34" charset="-120"/>
               </a:rPr>
-              <a:t>有</a:t>
-            </a:r>
-            <a:r>
-              <a:rPr lang="zh-CN" altLang="en-US" sz="4400" b="1" dirty="0" smtClean="0">
-                <a:latin typeface="微軟正黑體" pitchFamily="34" charset="-120"/>
-                <a:ea typeface="微軟正黑體" pitchFamily="34" charset="-120"/>
-              </a:rPr>
-              <a:t>袮</a:t>
-            </a:r>
-            <a:r>
-              <a:rPr lang="zh-TW" altLang="en-US" sz="4400" b="1" dirty="0" smtClean="0">
-                <a:latin typeface="微軟正黑體" pitchFamily="34" charset="-120"/>
-                <a:ea typeface="微軟正黑體" pitchFamily="34" charset="-120"/>
-              </a:rPr>
-              <a:t>的</a:t>
-            </a:r>
-            <a:r>
-              <a:rPr lang="zh-TW" altLang="en-US" sz="4400" b="1" dirty="0">
-                <a:latin typeface="微軟正黑體" pitchFamily="34" charset="-120"/>
-                <a:ea typeface="微軟正黑體" pitchFamily="34" charset="-120"/>
-              </a:rPr>
-              <a:t>恩典我便足夠</a:t>
-            </a:r>
-            <a:endParaRPr lang="en-US" altLang="zh-TW" sz="4400" b="1" dirty="0">
+              <a:t>出現少時就不見到</a:t>
+            </a:r>
+            <a:endParaRPr lang="en-US" altLang="zh-TW" sz="4800" b="1" dirty="0">
+              <a:solidFill>
+                <a:srgbClr val="000066"/>
+              </a:solidFill>
               <a:latin typeface="微軟正黑體" pitchFamily="34" charset="-120"/>
               <a:ea typeface="微軟正黑體" pitchFamily="34" charset="-120"/>
             </a:endParaRPr>
           </a:p>
-          <a:p>
-            <a:pPr algn="ctr">
-              <a:buNone/>
-            </a:pPr>
-            <a:r>
-              <a:rPr lang="zh-TW" altLang="en-US" sz="4400" b="1" dirty="0">
-                <a:latin typeface="微軟正黑體" pitchFamily="34" charset="-120"/>
-                <a:ea typeface="微軟正黑體" pitchFamily="34" charset="-120"/>
-              </a:rPr>
-              <a:t>讓我可清心</a:t>
-            </a:r>
-            <a:r>
-              <a:rPr lang="zh-TW" altLang="en-US" sz="4400" b="1" dirty="0" smtClean="0">
-                <a:latin typeface="微軟正黑體" pitchFamily="34" charset="-120"/>
-                <a:ea typeface="微軟正黑體" pitchFamily="34" charset="-120"/>
-              </a:rPr>
-              <a:t>見</a:t>
-            </a:r>
-            <a:r>
-              <a:rPr lang="zh-CN" altLang="en-US" sz="4400" b="1" dirty="0" smtClean="0">
-                <a:latin typeface="微軟正黑體" pitchFamily="34" charset="-120"/>
-                <a:ea typeface="微軟正黑體" pitchFamily="34" charset="-120"/>
-              </a:rPr>
-              <a:t>袮</a:t>
-            </a:r>
-            <a:r>
-              <a:rPr lang="zh-TW" altLang="en-US" sz="4400" b="1" dirty="0" smtClean="0">
-                <a:latin typeface="微軟正黑體" pitchFamily="34" charset="-120"/>
-                <a:ea typeface="微軟正黑體" pitchFamily="34" charset="-120"/>
-              </a:rPr>
-              <a:t>面</a:t>
-            </a:r>
-            <a:endParaRPr lang="en-US" altLang="zh-TW" sz="4400" b="1" dirty="0">
-              <a:latin typeface="微軟正黑體" pitchFamily="34" charset="-120"/>
-              <a:ea typeface="微軟正黑體" pitchFamily="34" charset="-120"/>
+        </p:txBody>
+      </p:sp>
+      <p:sp>
+        <p:nvSpPr>
+          <p:cNvPr id="3" name="TextBox 2"/>
+          <p:cNvSpPr txBox="1"/>
+          <p:nvPr/>
+        </p:nvSpPr>
+        <p:spPr>
+          <a:xfrm>
+            <a:off x="0" y="3867895"/>
+            <a:ext cx="9144000" cy="507831"/>
+          </a:xfrm>
+          <a:prstGeom prst="rect">
+            <a:avLst/>
+          </a:prstGeom>
+          <a:noFill/>
+        </p:spPr>
+        <p:txBody>
+          <a:bodyPr wrap="square" rtlCol="0">
+            <a:spAutoFit/>
+          </a:bodyPr>
+          <a:lstStyle/>
+          <a:p>
+            <a:pPr algn="ctr"/>
+            <a:r>
+              <a:rPr lang="en-US" sz="2700" b="1" dirty="0">
+                <a:solidFill>
+                  <a:srgbClr val="000066"/>
+                </a:solidFill>
+                <a:latin typeface="Microsoft JhengHei" panose="020B0604030504040204" pitchFamily="34" charset="-120"/>
+                <a:ea typeface="Microsoft JhengHei" panose="020B0604030504040204" pitchFamily="34" charset="-120"/>
+              </a:rPr>
+              <a:t>( </a:t>
+            </a:r>
+            <a:r>
+              <a:rPr lang="zh-CN" altLang="en-US" sz="2700" b="1" dirty="0">
+                <a:solidFill>
+                  <a:srgbClr val="000066"/>
+                </a:solidFill>
+                <a:latin typeface="Microsoft JhengHei" panose="020B0604030504040204" pitchFamily="34" charset="-120"/>
+                <a:ea typeface="Microsoft JhengHei" panose="020B0604030504040204" pitchFamily="34" charset="-120"/>
+              </a:rPr>
+              <a:t>正歌</a:t>
+            </a:r>
+            <a:r>
+              <a:rPr lang="en-US" sz="2700" b="1" dirty="0">
+                <a:solidFill>
+                  <a:srgbClr val="000066"/>
+                </a:solidFill>
+                <a:latin typeface="Microsoft JhengHei" panose="020B0604030504040204" pitchFamily="34" charset="-120"/>
+                <a:ea typeface="Microsoft JhengHei" panose="020B0604030504040204" pitchFamily="34" charset="-120"/>
+              </a:rPr>
+              <a:t> )</a:t>
+            </a:r>
+            <a:endParaRPr lang="vi-VN" sz="2700" b="1" dirty="0">
+              <a:solidFill>
+                <a:srgbClr val="000066"/>
+              </a:solidFill>
+              <a:ea typeface="Microsoft JhengHei" panose="020B0604030504040204" pitchFamily="34" charset="-120"/>
             </a:endParaRPr>
           </a:p>
-          <a:p>
-            <a:pPr algn="ctr">
-              <a:buNone/>
-            </a:pPr>
-            <a:r>
-              <a:rPr lang="zh-TW" altLang="en-US" sz="4400" b="1" dirty="0">
-                <a:latin typeface="微軟正黑體" pitchFamily="34" charset="-120"/>
-                <a:ea typeface="微軟正黑體" pitchFamily="34" charset="-120"/>
-              </a:rPr>
-              <a:t>使我必得見光</a:t>
-            </a:r>
-          </a:p>
         </p:txBody>
       </p:sp>
     </p:spTree>
+    <p:extLst>
+      <p:ext uri="{BB962C8B-B14F-4D97-AF65-F5344CB8AC3E}">
+        <p14:creationId xmlns:p14="http://schemas.microsoft.com/office/powerpoint/2010/main" val="1605034219"/>
+      </p:ext>
+    </p:extLst>
   </p:cSld>
   <p:clrMapOvr>
     <a:masterClrMapping/>
@@ -3649,75 +3694,180 @@
       </p:grpSpPr>
       <p:sp>
         <p:nvSpPr>
-          <p:cNvPr id="2" name="標題 1"/>
-          <p:cNvSpPr>
-            <a:spLocks noGrp="1"/>
-          </p:cNvSpPr>
-          <p:nvPr>
-            <p:ph type="title"/>
-          </p:nvPr>
-        </p:nvSpPr>
-        <p:spPr/>
-        <p:txBody>
-          <a:bodyPr>
+          <p:cNvPr id="5" name="內容版面配置區 4"/>
+          <p:cNvSpPr>
+            <a:spLocks noGrp="1"/>
+          </p:cNvSpPr>
+          <p:nvPr>
+            <p:ph idx="1"/>
+          </p:nvPr>
+        </p:nvSpPr>
+        <p:spPr>
+          <a:xfrm>
+            <a:off x="0" y="1563639"/>
+            <a:ext cx="9144000" cy="1803647"/>
+          </a:xfrm>
+        </p:spPr>
+        <p:txBody>
+          <a:bodyPr anchor="ctr">
             <a:normAutofit/>
           </a:bodyPr>
           <a:lstStyle/>
           <a:p>
-            <a:r>
-              <a:rPr lang="zh-TW" altLang="en-US" sz="3600" b="1" dirty="0">
+            <a:pPr algn="ctr">
+              <a:buNone/>
+            </a:pPr>
+            <a:r>
+              <a:rPr lang="zh-TW" altLang="en-US" sz="4800" b="1" dirty="0">
+                <a:solidFill>
+                  <a:srgbClr val="000066"/>
+                </a:solidFill>
                 <a:latin typeface="微軟正黑體" pitchFamily="34" charset="-120"/>
                 <a:ea typeface="微軟正黑體" pitchFamily="34" charset="-120"/>
               </a:rPr>
-              <a:t>信心的等待</a:t>
-            </a:r>
-          </a:p>
-        </p:txBody>
-      </p:sp>
-      <p:sp>
-        <p:nvSpPr>
-          <p:cNvPr id="3" name="內容版面配置區 2"/>
-          <p:cNvSpPr>
-            <a:spLocks noGrp="1"/>
-          </p:cNvSpPr>
-          <p:nvPr>
-            <p:ph idx="1"/>
-          </p:nvPr>
-        </p:nvSpPr>
-        <p:spPr/>
-        <p:txBody>
-          <a:bodyPr>
-            <a:noAutofit/>
-          </a:bodyPr>
-          <a:lstStyle/>
-          <a:p>
-            <a:pPr algn="ctr">
-              <a:buNone/>
-            </a:pPr>
-            <a:r>
-              <a:rPr lang="zh-TW" altLang="en-US" sz="4400" b="1" dirty="0">
-                <a:latin typeface="微軟正黑體" pitchFamily="34" charset="-120"/>
-                <a:ea typeface="微軟正黑體" pitchFamily="34" charset="-120"/>
-              </a:rPr>
-              <a:t>耶穌捉緊我雙手</a:t>
-            </a:r>
-            <a:endParaRPr lang="en-US" altLang="zh-TW" sz="4400" b="1" dirty="0">
+              <a:t>何必計較那得失終老</a:t>
+            </a:r>
+            <a:endParaRPr lang="en-US" altLang="zh-TW" sz="4800" b="1" dirty="0">
+              <a:solidFill>
+                <a:srgbClr val="000066"/>
+              </a:solidFill>
               <a:latin typeface="微軟正黑體" pitchFamily="34" charset="-120"/>
               <a:ea typeface="微軟正黑體" pitchFamily="34" charset="-120"/>
             </a:endParaRPr>
           </a:p>
+        </p:txBody>
+      </p:sp>
+      <p:sp>
+        <p:nvSpPr>
+          <p:cNvPr id="3" name="TextBox 2"/>
+          <p:cNvSpPr txBox="1"/>
+          <p:nvPr/>
+        </p:nvSpPr>
+        <p:spPr>
+          <a:xfrm>
+            <a:off x="0" y="3867895"/>
+            <a:ext cx="9144000" cy="507831"/>
+          </a:xfrm>
+          <a:prstGeom prst="rect">
+            <a:avLst/>
+          </a:prstGeom>
+          <a:noFill/>
+        </p:spPr>
+        <p:txBody>
+          <a:bodyPr wrap="square" rtlCol="0">
+            <a:spAutoFit/>
+          </a:bodyPr>
+          <a:lstStyle/>
+          <a:p>
+            <a:pPr algn="ctr"/>
+            <a:r>
+              <a:rPr lang="en-US" sz="2700" b="1" dirty="0">
+                <a:solidFill>
+                  <a:srgbClr val="000066"/>
+                </a:solidFill>
+                <a:latin typeface="Microsoft JhengHei" panose="020B0604030504040204" pitchFamily="34" charset="-120"/>
+                <a:ea typeface="Microsoft JhengHei" panose="020B0604030504040204" pitchFamily="34" charset="-120"/>
+              </a:rPr>
+              <a:t>( </a:t>
+            </a:r>
+            <a:r>
+              <a:rPr lang="zh-CN" altLang="en-US" sz="2700" b="1" dirty="0">
+                <a:solidFill>
+                  <a:srgbClr val="000066"/>
+                </a:solidFill>
+                <a:latin typeface="Microsoft JhengHei" panose="020B0604030504040204" pitchFamily="34" charset="-120"/>
+                <a:ea typeface="Microsoft JhengHei" panose="020B0604030504040204" pitchFamily="34" charset="-120"/>
+              </a:rPr>
+              <a:t>正歌</a:t>
+            </a:r>
+            <a:r>
+              <a:rPr lang="en-US" sz="2700" b="1" dirty="0">
+                <a:solidFill>
+                  <a:srgbClr val="000066"/>
+                </a:solidFill>
+                <a:latin typeface="Microsoft JhengHei" panose="020B0604030504040204" pitchFamily="34" charset="-120"/>
+                <a:ea typeface="Microsoft JhengHei" panose="020B0604030504040204" pitchFamily="34" charset="-120"/>
+              </a:rPr>
+              <a:t> )</a:t>
+            </a:r>
+            <a:endParaRPr lang="vi-VN" sz="2700" b="1" dirty="0">
+              <a:solidFill>
+                <a:srgbClr val="000066"/>
+              </a:solidFill>
+              <a:ea typeface="Microsoft JhengHei" panose="020B0604030504040204" pitchFamily="34" charset="-120"/>
+            </a:endParaRPr>
+          </a:p>
+        </p:txBody>
+      </p:sp>
+    </p:spTree>
+    <p:extLst>
+      <p:ext uri="{BB962C8B-B14F-4D97-AF65-F5344CB8AC3E}">
+        <p14:creationId xmlns:p14="http://schemas.microsoft.com/office/powerpoint/2010/main" val="652520834"/>
+      </p:ext>
+    </p:extLst>
+  </p:cSld>
+  <p:clrMapOvr>
+    <a:masterClrMapping/>
+  </p:clrMapOvr>
+</p:sld>
+</file>
+
+<file path=ppt/slides/slide5.xml><?xml version="1.0" encoding="utf-8"?>
+<p:sld xmlns:a="http://schemas.openxmlformats.org/drawingml/2006/main" xmlns:r="http://schemas.openxmlformats.org/officeDocument/2006/relationships" xmlns:p="http://schemas.openxmlformats.org/presentationml/2006/main">
+  <p:cSld>
+    <p:spTree>
+      <p:nvGrpSpPr>
+        <p:cNvPr id="1" name=""/>
+        <p:cNvGrpSpPr/>
+        <p:nvPr/>
+      </p:nvGrpSpPr>
+      <p:grpSpPr>
+        <a:xfrm>
+          <a:off x="0" y="0"/>
+          <a:ext cx="0" cy="0"/>
+          <a:chOff x="0" y="0"/>
+          <a:chExt cx="0" cy="0"/>
+        </a:xfrm>
+      </p:grpSpPr>
+      <p:sp>
+        <p:nvSpPr>
+          <p:cNvPr id="5" name="內容版面配置區 4"/>
+          <p:cNvSpPr>
+            <a:spLocks noGrp="1"/>
+          </p:cNvSpPr>
+          <p:nvPr>
+            <p:ph idx="1"/>
+          </p:nvPr>
+        </p:nvSpPr>
+        <p:spPr>
+          <a:xfrm>
+            <a:off x="0" y="1563639"/>
+            <a:ext cx="9144000" cy="1803647"/>
+          </a:xfrm>
+        </p:spPr>
+        <p:txBody>
+          <a:bodyPr anchor="ctr">
+            <a:normAutofit/>
+          </a:bodyPr>
+          <a:lstStyle/>
           <a:p>
             <a:pPr algn="ctr">
               <a:buNone/>
             </a:pPr>
             <a:r>
-              <a:rPr lang="zh-TW" altLang="en-US" sz="4400" b="1" dirty="0">
+              <a:rPr lang="zh-TW" altLang="en-US" sz="4800" b="1" dirty="0">
+                <a:solidFill>
+                  <a:srgbClr val="000066"/>
+                </a:solidFill>
                 <a:latin typeface="微軟正黑體" pitchFamily="34" charset="-120"/>
                 <a:ea typeface="微軟正黑體" pitchFamily="34" charset="-120"/>
               </a:rPr>
-              <a:t>仰望那財寶在天上</a:t>
-            </a:r>
-            <a:endParaRPr lang="en-US" altLang="zh-TW" sz="4400" b="1" dirty="0">
+              <a:t>在這幽谷之中我宣告</a:t>
+            </a:r>
+            <a:endParaRPr lang="en-US" altLang="zh-TW" sz="4800" b="1" dirty="0">
+              <a:solidFill>
+                <a:srgbClr val="000066"/>
+              </a:solidFill>
               <a:latin typeface="微軟正黑體" pitchFamily="34" charset="-120"/>
               <a:ea typeface="微軟正黑體" pitchFamily="34" charset="-120"/>
             </a:endParaRPr>
@@ -3727,53 +3877,795 @@
               <a:buNone/>
             </a:pPr>
             <a:r>
-              <a:rPr lang="zh-TW" altLang="en-US" sz="4400" b="1" dirty="0">
+              <a:rPr lang="zh-TW" altLang="en-US" sz="4800" b="1" dirty="0">
+                <a:solidFill>
+                  <a:srgbClr val="000066"/>
+                </a:solidFill>
                 <a:latin typeface="微軟正黑體" pitchFamily="34" charset="-120"/>
                 <a:ea typeface="微軟正黑體" pitchFamily="34" charset="-120"/>
               </a:rPr>
-              <a:t>愛慕神的   抱著平安</a:t>
-            </a:r>
-            <a:endParaRPr lang="en-US" altLang="zh-TW" sz="4400" b="1" dirty="0">
+              <a:t>不必怕因有</a:t>
+            </a:r>
+            <a:r>
+              <a:rPr lang="zh-CN" altLang="en-US" sz="4800" b="1" dirty="0">
+                <a:solidFill>
+                  <a:srgbClr val="000066"/>
+                </a:solidFill>
+                <a:latin typeface="微軟正黑體" pitchFamily="34" charset="-120"/>
+                <a:ea typeface="微軟正黑體" pitchFamily="34" charset="-120"/>
+              </a:rPr>
+              <a:t>袮</a:t>
+            </a:r>
+            <a:r>
+              <a:rPr lang="zh-TW" altLang="en-US" sz="4800" b="1" dirty="0">
+                <a:solidFill>
+                  <a:srgbClr val="000066"/>
+                </a:solidFill>
+                <a:latin typeface="微軟正黑體" pitchFamily="34" charset="-120"/>
+                <a:ea typeface="微軟正黑體" pitchFamily="34" charset="-120"/>
+              </a:rPr>
+              <a:t>同在</a:t>
+            </a:r>
+            <a:endParaRPr lang="en-US" altLang="zh-TW" sz="4800" b="1" dirty="0">
+              <a:solidFill>
+                <a:srgbClr val="000066"/>
+              </a:solidFill>
               <a:latin typeface="微軟正黑體" pitchFamily="34" charset="-120"/>
               <a:ea typeface="微軟正黑體" pitchFamily="34" charset="-120"/>
             </a:endParaRPr>
           </a:p>
+        </p:txBody>
+      </p:sp>
+      <p:sp>
+        <p:nvSpPr>
+          <p:cNvPr id="3" name="TextBox 2"/>
+          <p:cNvSpPr txBox="1"/>
+          <p:nvPr/>
+        </p:nvSpPr>
+        <p:spPr>
+          <a:xfrm>
+            <a:off x="0" y="3867895"/>
+            <a:ext cx="9144000" cy="507831"/>
+          </a:xfrm>
+          <a:prstGeom prst="rect">
+            <a:avLst/>
+          </a:prstGeom>
+          <a:noFill/>
+        </p:spPr>
+        <p:txBody>
+          <a:bodyPr wrap="square" rtlCol="0">
+            <a:spAutoFit/>
+          </a:bodyPr>
+          <a:lstStyle/>
+          <a:p>
+            <a:pPr algn="ctr"/>
+            <a:r>
+              <a:rPr lang="en-US" sz="2700" b="1" dirty="0">
+                <a:solidFill>
+                  <a:srgbClr val="000066"/>
+                </a:solidFill>
+                <a:latin typeface="Microsoft JhengHei" panose="020B0604030504040204" pitchFamily="34" charset="-120"/>
+                <a:ea typeface="Microsoft JhengHei" panose="020B0604030504040204" pitchFamily="34" charset="-120"/>
+              </a:rPr>
+              <a:t>( </a:t>
+            </a:r>
+            <a:r>
+              <a:rPr lang="zh-CN" altLang="en-US" sz="2700" b="1" dirty="0">
+                <a:solidFill>
+                  <a:srgbClr val="000066"/>
+                </a:solidFill>
+                <a:latin typeface="Microsoft JhengHei" panose="020B0604030504040204" pitchFamily="34" charset="-120"/>
+                <a:ea typeface="Microsoft JhengHei" panose="020B0604030504040204" pitchFamily="34" charset="-120"/>
+              </a:rPr>
+              <a:t>前副歌</a:t>
+            </a:r>
+            <a:r>
+              <a:rPr lang="en-US" sz="2700" b="1" dirty="0">
+                <a:solidFill>
+                  <a:srgbClr val="000066"/>
+                </a:solidFill>
+                <a:latin typeface="Microsoft JhengHei" panose="020B0604030504040204" pitchFamily="34" charset="-120"/>
+                <a:ea typeface="Microsoft JhengHei" panose="020B0604030504040204" pitchFamily="34" charset="-120"/>
+              </a:rPr>
+              <a:t> )</a:t>
+            </a:r>
+            <a:endParaRPr lang="vi-VN" sz="2700" b="1" dirty="0">
+              <a:solidFill>
+                <a:srgbClr val="000066"/>
+              </a:solidFill>
+              <a:ea typeface="Microsoft JhengHei" panose="020B0604030504040204" pitchFamily="34" charset="-120"/>
+            </a:endParaRPr>
+          </a:p>
+        </p:txBody>
+      </p:sp>
+    </p:spTree>
+    <p:extLst>
+      <p:ext uri="{BB962C8B-B14F-4D97-AF65-F5344CB8AC3E}">
+        <p14:creationId xmlns:p14="http://schemas.microsoft.com/office/powerpoint/2010/main" val="2051796558"/>
+      </p:ext>
+    </p:extLst>
+  </p:cSld>
+  <p:clrMapOvr>
+    <a:masterClrMapping/>
+  </p:clrMapOvr>
+</p:sld>
+</file>
+
+<file path=ppt/slides/slide6.xml><?xml version="1.0" encoding="utf-8"?>
+<p:sld xmlns:a="http://schemas.openxmlformats.org/drawingml/2006/main" xmlns:r="http://schemas.openxmlformats.org/officeDocument/2006/relationships" xmlns:p="http://schemas.openxmlformats.org/presentationml/2006/main">
+  <p:cSld>
+    <p:spTree>
+      <p:nvGrpSpPr>
+        <p:cNvPr id="1" name=""/>
+        <p:cNvGrpSpPr/>
+        <p:nvPr/>
+      </p:nvGrpSpPr>
+      <p:grpSpPr>
+        <a:xfrm>
+          <a:off x="0" y="0"/>
+          <a:ext cx="0" cy="0"/>
+          <a:chOff x="0" y="0"/>
+          <a:chExt cx="0" cy="0"/>
+        </a:xfrm>
+      </p:grpSpPr>
+      <p:sp>
+        <p:nvSpPr>
+          <p:cNvPr id="5" name="內容版面配置區 4"/>
+          <p:cNvSpPr>
+            <a:spLocks noGrp="1"/>
+          </p:cNvSpPr>
+          <p:nvPr>
+            <p:ph idx="1"/>
+          </p:nvPr>
+        </p:nvSpPr>
+        <p:spPr>
+          <a:xfrm>
+            <a:off x="0" y="1563639"/>
+            <a:ext cx="9144000" cy="1803647"/>
+          </a:xfrm>
+        </p:spPr>
+        <p:txBody>
+          <a:bodyPr anchor="ctr">
+            <a:normAutofit/>
+          </a:bodyPr>
+          <a:lstStyle/>
           <a:p>
             <a:pPr algn="ctr">
               <a:buNone/>
             </a:pPr>
             <a:r>
-              <a:rPr lang="zh-TW" altLang="en-US" sz="4400" b="1" dirty="0" smtClean="0">
+              <a:rPr lang="zh-TW" altLang="en-US" sz="4800" b="1" dirty="0">
+                <a:solidFill>
+                  <a:srgbClr val="000066"/>
+                </a:solidFill>
                 <a:latin typeface="微軟正黑體" pitchFamily="34" charset="-120"/>
                 <a:ea typeface="微軟正黑體" pitchFamily="34" charset="-120"/>
               </a:rPr>
-              <a:t>感謝</a:t>
-            </a:r>
-            <a:r>
-              <a:rPr lang="zh-CN" altLang="en-US" sz="4400" b="1" dirty="0" smtClean="0">
+              <a:t>別人笑我為甚麼等待</a:t>
+            </a:r>
+            <a:endParaRPr lang="en-US" altLang="zh-TW" sz="4800" b="1" dirty="0">
+              <a:solidFill>
+                <a:srgbClr val="000066"/>
+              </a:solidFill>
+              <a:latin typeface="微軟正黑體" pitchFamily="34" charset="-120"/>
+              <a:ea typeface="微軟正黑體" pitchFamily="34" charset="-120"/>
+            </a:endParaRPr>
+          </a:p>
+          <a:p>
+            <a:pPr algn="ctr">
+              <a:buNone/>
+            </a:pPr>
+            <a:r>
+              <a:rPr lang="zh-TW" altLang="en-US" sz="4800" b="1" dirty="0">
+                <a:solidFill>
+                  <a:srgbClr val="000066"/>
+                </a:solidFill>
                 <a:latin typeface="微軟正黑體" pitchFamily="34" charset="-120"/>
                 <a:ea typeface="微軟正黑體" pitchFamily="34" charset="-120"/>
               </a:rPr>
-              <a:t>袮</a:t>
-            </a:r>
-            <a:r>
-              <a:rPr lang="zh-TW" altLang="en-US" sz="4400" b="1" dirty="0" smtClean="0">
+              <a:t>因我知道盼望因</a:t>
+            </a:r>
+            <a:r>
+              <a:rPr lang="zh-CN" altLang="en-US" sz="4800" b="1" dirty="0">
+                <a:solidFill>
+                  <a:srgbClr val="000066"/>
+                </a:solidFill>
                 <a:latin typeface="微軟正黑體" pitchFamily="34" charset="-120"/>
                 <a:ea typeface="微軟正黑體" pitchFamily="34" charset="-120"/>
               </a:rPr>
-              <a:t>為</a:t>
-            </a:r>
-            <a:r>
-              <a:rPr lang="zh-TW" altLang="en-US" sz="4400" b="1" dirty="0">
+              <a:t>袮</a:t>
+            </a:r>
+            <a:r>
+              <a:rPr lang="zh-TW" altLang="en-US" sz="4800" b="1" dirty="0">
+                <a:solidFill>
+                  <a:srgbClr val="000066"/>
+                </a:solidFill>
                 <a:latin typeface="微軟正黑體" pitchFamily="34" charset="-120"/>
                 <a:ea typeface="微軟正黑體" pitchFamily="34" charset="-120"/>
               </a:rPr>
-              <a:t>我所編寫的一切</a:t>
-            </a:r>
+              <a:t>而來</a:t>
+            </a:r>
+          </a:p>
+        </p:txBody>
+      </p:sp>
+      <p:sp>
+        <p:nvSpPr>
+          <p:cNvPr id="3" name="TextBox 2"/>
+          <p:cNvSpPr txBox="1"/>
+          <p:nvPr/>
+        </p:nvSpPr>
+        <p:spPr>
+          <a:xfrm>
+            <a:off x="0" y="3867895"/>
+            <a:ext cx="9144000" cy="507831"/>
+          </a:xfrm>
+          <a:prstGeom prst="rect">
+            <a:avLst/>
+          </a:prstGeom>
+          <a:noFill/>
+        </p:spPr>
+        <p:txBody>
+          <a:bodyPr wrap="square" rtlCol="0">
+            <a:spAutoFit/>
+          </a:bodyPr>
+          <a:lstStyle/>
+          <a:p>
+            <a:pPr algn="ctr"/>
+            <a:r>
+              <a:rPr lang="en-US" sz="2700" b="1" dirty="0">
+                <a:solidFill>
+                  <a:srgbClr val="000066"/>
+                </a:solidFill>
+                <a:latin typeface="Microsoft JhengHei" panose="020B0604030504040204" pitchFamily="34" charset="-120"/>
+                <a:ea typeface="Microsoft JhengHei" panose="020B0604030504040204" pitchFamily="34" charset="-120"/>
+              </a:rPr>
+              <a:t>( </a:t>
+            </a:r>
+            <a:r>
+              <a:rPr lang="zh-CN" altLang="en-US" sz="2700" b="1" dirty="0">
+                <a:solidFill>
+                  <a:srgbClr val="000066"/>
+                </a:solidFill>
+                <a:latin typeface="Microsoft JhengHei" panose="020B0604030504040204" pitchFamily="34" charset="-120"/>
+                <a:ea typeface="Microsoft JhengHei" panose="020B0604030504040204" pitchFamily="34" charset="-120"/>
+              </a:rPr>
+              <a:t>前副歌</a:t>
+            </a:r>
+            <a:r>
+              <a:rPr lang="en-US" sz="2700" b="1" dirty="0">
+                <a:solidFill>
+                  <a:srgbClr val="000066"/>
+                </a:solidFill>
+                <a:latin typeface="Microsoft JhengHei" panose="020B0604030504040204" pitchFamily="34" charset="-120"/>
+                <a:ea typeface="Microsoft JhengHei" panose="020B0604030504040204" pitchFamily="34" charset="-120"/>
+              </a:rPr>
+              <a:t> )</a:t>
+            </a:r>
+            <a:endParaRPr lang="vi-VN" sz="2700" b="1" dirty="0">
+              <a:solidFill>
+                <a:srgbClr val="000066"/>
+              </a:solidFill>
+              <a:ea typeface="Microsoft JhengHei" panose="020B0604030504040204" pitchFamily="34" charset="-120"/>
+            </a:endParaRPr>
           </a:p>
         </p:txBody>
       </p:sp>
     </p:spTree>
+    <p:extLst>
+      <p:ext uri="{BB962C8B-B14F-4D97-AF65-F5344CB8AC3E}">
+        <p14:creationId xmlns:p14="http://schemas.microsoft.com/office/powerpoint/2010/main" val="580330027"/>
+      </p:ext>
+    </p:extLst>
+  </p:cSld>
+  <p:clrMapOvr>
+    <a:masterClrMapping/>
+  </p:clrMapOvr>
+</p:sld>
+</file>
+
+<file path=ppt/slides/slide7.xml><?xml version="1.0" encoding="utf-8"?>
+<p:sld xmlns:a="http://schemas.openxmlformats.org/drawingml/2006/main" xmlns:r="http://schemas.openxmlformats.org/officeDocument/2006/relationships" xmlns:p="http://schemas.openxmlformats.org/presentationml/2006/main">
+  <p:cSld>
+    <p:spTree>
+      <p:nvGrpSpPr>
+        <p:cNvPr id="1" name=""/>
+        <p:cNvGrpSpPr/>
+        <p:nvPr/>
+      </p:nvGrpSpPr>
+      <p:grpSpPr>
+        <a:xfrm>
+          <a:off x="0" y="0"/>
+          <a:ext cx="0" cy="0"/>
+          <a:chOff x="0" y="0"/>
+          <a:chExt cx="0" cy="0"/>
+        </a:xfrm>
+      </p:grpSpPr>
+      <p:sp>
+        <p:nvSpPr>
+          <p:cNvPr id="5" name="內容版面配置區 4"/>
+          <p:cNvSpPr>
+            <a:spLocks noGrp="1"/>
+          </p:cNvSpPr>
+          <p:nvPr>
+            <p:ph idx="1"/>
+          </p:nvPr>
+        </p:nvSpPr>
+        <p:spPr>
+          <a:xfrm>
+            <a:off x="0" y="1563639"/>
+            <a:ext cx="9144000" cy="1803647"/>
+          </a:xfrm>
+        </p:spPr>
+        <p:txBody>
+          <a:bodyPr anchor="ctr">
+            <a:normAutofit/>
+          </a:bodyPr>
+          <a:lstStyle/>
+          <a:p>
+            <a:pPr algn="ctr">
+              <a:buNone/>
+            </a:pPr>
+            <a:r>
+              <a:rPr lang="zh-TW" altLang="en-US" sz="4800" b="1" dirty="0">
+                <a:solidFill>
+                  <a:srgbClr val="000066"/>
+                </a:solidFill>
+                <a:latin typeface="微軟正黑體" pitchFamily="34" charset="-120"/>
+                <a:ea typeface="微軟正黑體" pitchFamily="34" charset="-120"/>
+              </a:rPr>
+              <a:t>耶穌捉緊我雙手</a:t>
+            </a:r>
+            <a:endParaRPr lang="en-US" altLang="zh-TW" sz="4800" b="1" dirty="0">
+              <a:solidFill>
+                <a:srgbClr val="000066"/>
+              </a:solidFill>
+              <a:latin typeface="微軟正黑體" pitchFamily="34" charset="-120"/>
+              <a:ea typeface="微軟正黑體" pitchFamily="34" charset="-120"/>
+            </a:endParaRPr>
+          </a:p>
+          <a:p>
+            <a:pPr algn="ctr">
+              <a:buNone/>
+            </a:pPr>
+            <a:r>
+              <a:rPr lang="zh-TW" altLang="en-US" sz="4800" b="1" dirty="0">
+                <a:solidFill>
+                  <a:srgbClr val="000066"/>
+                </a:solidFill>
+                <a:latin typeface="微軟正黑體" pitchFamily="34" charset="-120"/>
+                <a:ea typeface="微軟正黑體" pitchFamily="34" charset="-120"/>
+              </a:rPr>
+              <a:t>有</a:t>
+            </a:r>
+            <a:r>
+              <a:rPr lang="zh-CN" altLang="en-US" sz="4800" b="1" dirty="0">
+                <a:solidFill>
+                  <a:srgbClr val="000066"/>
+                </a:solidFill>
+                <a:latin typeface="微軟正黑體" pitchFamily="34" charset="-120"/>
+                <a:ea typeface="微軟正黑體" pitchFamily="34" charset="-120"/>
+              </a:rPr>
+              <a:t>袮</a:t>
+            </a:r>
+            <a:r>
+              <a:rPr lang="zh-TW" altLang="en-US" sz="4800" b="1" dirty="0">
+                <a:solidFill>
+                  <a:srgbClr val="000066"/>
+                </a:solidFill>
+                <a:latin typeface="微軟正黑體" pitchFamily="34" charset="-120"/>
+                <a:ea typeface="微軟正黑體" pitchFamily="34" charset="-120"/>
+              </a:rPr>
+              <a:t>的恩典我便足夠</a:t>
+            </a:r>
+            <a:endParaRPr lang="en-US" altLang="zh-TW" sz="4800" b="1" dirty="0">
+              <a:solidFill>
+                <a:srgbClr val="000066"/>
+              </a:solidFill>
+              <a:latin typeface="微軟正黑體" pitchFamily="34" charset="-120"/>
+              <a:ea typeface="微軟正黑體" pitchFamily="34" charset="-120"/>
+            </a:endParaRPr>
+          </a:p>
+        </p:txBody>
+      </p:sp>
+      <p:sp>
+        <p:nvSpPr>
+          <p:cNvPr id="3" name="TextBox 2"/>
+          <p:cNvSpPr txBox="1"/>
+          <p:nvPr/>
+        </p:nvSpPr>
+        <p:spPr>
+          <a:xfrm>
+            <a:off x="0" y="3867895"/>
+            <a:ext cx="9144000" cy="507831"/>
+          </a:xfrm>
+          <a:prstGeom prst="rect">
+            <a:avLst/>
+          </a:prstGeom>
+          <a:noFill/>
+        </p:spPr>
+        <p:txBody>
+          <a:bodyPr wrap="square" rtlCol="0">
+            <a:spAutoFit/>
+          </a:bodyPr>
+          <a:lstStyle/>
+          <a:p>
+            <a:pPr algn="ctr"/>
+            <a:r>
+              <a:rPr lang="en-US" sz="2700" b="1" dirty="0">
+                <a:solidFill>
+                  <a:srgbClr val="000066"/>
+                </a:solidFill>
+                <a:latin typeface="Microsoft JhengHei" panose="020B0604030504040204" pitchFamily="34" charset="-120"/>
+                <a:ea typeface="Microsoft JhengHei" panose="020B0604030504040204" pitchFamily="34" charset="-120"/>
+              </a:rPr>
+              <a:t>( </a:t>
+            </a:r>
+            <a:r>
+              <a:rPr lang="zh-CN" altLang="en-US" sz="2700" b="1" dirty="0">
+                <a:solidFill>
+                  <a:srgbClr val="000066"/>
+                </a:solidFill>
+                <a:latin typeface="Microsoft JhengHei" panose="020B0604030504040204" pitchFamily="34" charset="-120"/>
+                <a:ea typeface="Microsoft JhengHei" panose="020B0604030504040204" pitchFamily="34" charset="-120"/>
+              </a:rPr>
+              <a:t>副歌</a:t>
+            </a:r>
+            <a:r>
+              <a:rPr lang="en-US" sz="2700" b="1" dirty="0">
+                <a:solidFill>
+                  <a:srgbClr val="000066"/>
+                </a:solidFill>
+                <a:latin typeface="Microsoft JhengHei" panose="020B0604030504040204" pitchFamily="34" charset="-120"/>
+                <a:ea typeface="Microsoft JhengHei" panose="020B0604030504040204" pitchFamily="34" charset="-120"/>
+              </a:rPr>
+              <a:t> )</a:t>
+            </a:r>
+            <a:endParaRPr lang="vi-VN" sz="2700" b="1" dirty="0">
+              <a:solidFill>
+                <a:srgbClr val="000066"/>
+              </a:solidFill>
+              <a:ea typeface="Microsoft JhengHei" panose="020B0604030504040204" pitchFamily="34" charset="-120"/>
+            </a:endParaRPr>
+          </a:p>
+        </p:txBody>
+      </p:sp>
+    </p:spTree>
+    <p:extLst>
+      <p:ext uri="{BB962C8B-B14F-4D97-AF65-F5344CB8AC3E}">
+        <p14:creationId xmlns:p14="http://schemas.microsoft.com/office/powerpoint/2010/main" val="3019554386"/>
+      </p:ext>
+    </p:extLst>
+  </p:cSld>
+  <p:clrMapOvr>
+    <a:masterClrMapping/>
+  </p:clrMapOvr>
+</p:sld>
+</file>
+
+<file path=ppt/slides/slide8.xml><?xml version="1.0" encoding="utf-8"?>
+<p:sld xmlns:a="http://schemas.openxmlformats.org/drawingml/2006/main" xmlns:r="http://schemas.openxmlformats.org/officeDocument/2006/relationships" xmlns:p="http://schemas.openxmlformats.org/presentationml/2006/main">
+  <p:cSld>
+    <p:spTree>
+      <p:nvGrpSpPr>
+        <p:cNvPr id="1" name=""/>
+        <p:cNvGrpSpPr/>
+        <p:nvPr/>
+      </p:nvGrpSpPr>
+      <p:grpSpPr>
+        <a:xfrm>
+          <a:off x="0" y="0"/>
+          <a:ext cx="0" cy="0"/>
+          <a:chOff x="0" y="0"/>
+          <a:chExt cx="0" cy="0"/>
+        </a:xfrm>
+      </p:grpSpPr>
+      <p:sp>
+        <p:nvSpPr>
+          <p:cNvPr id="5" name="內容版面配置區 4"/>
+          <p:cNvSpPr>
+            <a:spLocks noGrp="1"/>
+          </p:cNvSpPr>
+          <p:nvPr>
+            <p:ph idx="1"/>
+          </p:nvPr>
+        </p:nvSpPr>
+        <p:spPr>
+          <a:xfrm>
+            <a:off x="0" y="1563639"/>
+            <a:ext cx="9144000" cy="1803647"/>
+          </a:xfrm>
+        </p:spPr>
+        <p:txBody>
+          <a:bodyPr anchor="ctr">
+            <a:normAutofit/>
+          </a:bodyPr>
+          <a:lstStyle/>
+          <a:p>
+            <a:pPr algn="ctr">
+              <a:buNone/>
+            </a:pPr>
+            <a:r>
+              <a:rPr lang="zh-TW" altLang="en-US" sz="4800" b="1" dirty="0">
+                <a:solidFill>
+                  <a:srgbClr val="000066"/>
+                </a:solidFill>
+                <a:latin typeface="微軟正黑體" pitchFamily="34" charset="-120"/>
+                <a:ea typeface="微軟正黑體" pitchFamily="34" charset="-120"/>
+              </a:rPr>
+              <a:t>讓我可清心見</a:t>
+            </a:r>
+            <a:r>
+              <a:rPr lang="zh-CN" altLang="en-US" sz="4800" b="1" dirty="0">
+                <a:solidFill>
+                  <a:srgbClr val="000066"/>
+                </a:solidFill>
+                <a:latin typeface="微軟正黑體" pitchFamily="34" charset="-120"/>
+                <a:ea typeface="微軟正黑體" pitchFamily="34" charset="-120"/>
+              </a:rPr>
+              <a:t>袮</a:t>
+            </a:r>
+            <a:r>
+              <a:rPr lang="zh-TW" altLang="en-US" sz="4800" b="1" dirty="0">
+                <a:solidFill>
+                  <a:srgbClr val="000066"/>
+                </a:solidFill>
+                <a:latin typeface="微軟正黑體" pitchFamily="34" charset="-120"/>
+                <a:ea typeface="微軟正黑體" pitchFamily="34" charset="-120"/>
+              </a:rPr>
+              <a:t>面</a:t>
+            </a:r>
+            <a:endParaRPr lang="en-US" altLang="zh-TW" sz="4800" b="1" dirty="0">
+              <a:solidFill>
+                <a:srgbClr val="000066"/>
+              </a:solidFill>
+              <a:latin typeface="微軟正黑體" pitchFamily="34" charset="-120"/>
+              <a:ea typeface="微軟正黑體" pitchFamily="34" charset="-120"/>
+            </a:endParaRPr>
+          </a:p>
+          <a:p>
+            <a:pPr algn="ctr">
+              <a:buNone/>
+            </a:pPr>
+            <a:r>
+              <a:rPr lang="zh-TW" altLang="en-US" sz="4800" b="1" dirty="0">
+                <a:solidFill>
+                  <a:srgbClr val="000066"/>
+                </a:solidFill>
+                <a:latin typeface="微軟正黑體" pitchFamily="34" charset="-120"/>
+                <a:ea typeface="微軟正黑體" pitchFamily="34" charset="-120"/>
+              </a:rPr>
+              <a:t>使我必得見光</a:t>
+            </a:r>
+          </a:p>
+        </p:txBody>
+      </p:sp>
+      <p:sp>
+        <p:nvSpPr>
+          <p:cNvPr id="3" name="TextBox 2"/>
+          <p:cNvSpPr txBox="1"/>
+          <p:nvPr/>
+        </p:nvSpPr>
+        <p:spPr>
+          <a:xfrm>
+            <a:off x="0" y="3867895"/>
+            <a:ext cx="9144000" cy="507831"/>
+          </a:xfrm>
+          <a:prstGeom prst="rect">
+            <a:avLst/>
+          </a:prstGeom>
+          <a:noFill/>
+        </p:spPr>
+        <p:txBody>
+          <a:bodyPr wrap="square" rtlCol="0">
+            <a:spAutoFit/>
+          </a:bodyPr>
+          <a:lstStyle/>
+          <a:p>
+            <a:pPr algn="ctr"/>
+            <a:r>
+              <a:rPr lang="en-US" sz="2700" b="1" dirty="0">
+                <a:solidFill>
+                  <a:srgbClr val="000066"/>
+                </a:solidFill>
+                <a:latin typeface="Microsoft JhengHei" panose="020B0604030504040204" pitchFamily="34" charset="-120"/>
+                <a:ea typeface="Microsoft JhengHei" panose="020B0604030504040204" pitchFamily="34" charset="-120"/>
+              </a:rPr>
+              <a:t>( </a:t>
+            </a:r>
+            <a:r>
+              <a:rPr lang="zh-CN" altLang="en-US" sz="2700" b="1" dirty="0">
+                <a:solidFill>
+                  <a:srgbClr val="000066"/>
+                </a:solidFill>
+                <a:latin typeface="Microsoft JhengHei" panose="020B0604030504040204" pitchFamily="34" charset="-120"/>
+                <a:ea typeface="Microsoft JhengHei" panose="020B0604030504040204" pitchFamily="34" charset="-120"/>
+              </a:rPr>
+              <a:t>副歌</a:t>
+            </a:r>
+            <a:r>
+              <a:rPr lang="en-US" sz="2700" b="1" dirty="0">
+                <a:solidFill>
+                  <a:srgbClr val="000066"/>
+                </a:solidFill>
+                <a:latin typeface="Microsoft JhengHei" panose="020B0604030504040204" pitchFamily="34" charset="-120"/>
+                <a:ea typeface="Microsoft JhengHei" panose="020B0604030504040204" pitchFamily="34" charset="-120"/>
+              </a:rPr>
+              <a:t> )</a:t>
+            </a:r>
+            <a:endParaRPr lang="vi-VN" sz="2700" b="1" dirty="0">
+              <a:solidFill>
+                <a:srgbClr val="000066"/>
+              </a:solidFill>
+              <a:ea typeface="Microsoft JhengHei" panose="020B0604030504040204" pitchFamily="34" charset="-120"/>
+            </a:endParaRPr>
+          </a:p>
+        </p:txBody>
+      </p:sp>
+    </p:spTree>
+    <p:extLst>
+      <p:ext uri="{BB962C8B-B14F-4D97-AF65-F5344CB8AC3E}">
+        <p14:creationId xmlns:p14="http://schemas.microsoft.com/office/powerpoint/2010/main" val="2321114154"/>
+      </p:ext>
+    </p:extLst>
+  </p:cSld>
+  <p:clrMapOvr>
+    <a:masterClrMapping/>
+  </p:clrMapOvr>
+</p:sld>
+</file>
+
+<file path=ppt/slides/slide9.xml><?xml version="1.0" encoding="utf-8"?>
+<p:sld xmlns:a="http://schemas.openxmlformats.org/drawingml/2006/main" xmlns:r="http://schemas.openxmlformats.org/officeDocument/2006/relationships" xmlns:p="http://schemas.openxmlformats.org/presentationml/2006/main">
+  <p:cSld>
+    <p:spTree>
+      <p:nvGrpSpPr>
+        <p:cNvPr id="1" name=""/>
+        <p:cNvGrpSpPr/>
+        <p:nvPr/>
+      </p:nvGrpSpPr>
+      <p:grpSpPr>
+        <a:xfrm>
+          <a:off x="0" y="0"/>
+          <a:ext cx="0" cy="0"/>
+          <a:chOff x="0" y="0"/>
+          <a:chExt cx="0" cy="0"/>
+        </a:xfrm>
+      </p:grpSpPr>
+      <p:sp>
+        <p:nvSpPr>
+          <p:cNvPr id="5" name="內容版面配置區 4"/>
+          <p:cNvSpPr>
+            <a:spLocks noGrp="1"/>
+          </p:cNvSpPr>
+          <p:nvPr>
+            <p:ph idx="1"/>
+          </p:nvPr>
+        </p:nvSpPr>
+        <p:spPr>
+          <a:xfrm>
+            <a:off x="0" y="1563639"/>
+            <a:ext cx="9144000" cy="1803647"/>
+          </a:xfrm>
+        </p:spPr>
+        <p:txBody>
+          <a:bodyPr anchor="ctr">
+            <a:normAutofit/>
+          </a:bodyPr>
+          <a:lstStyle/>
+          <a:p>
+            <a:pPr algn="ctr">
+              <a:buNone/>
+            </a:pPr>
+            <a:r>
+              <a:rPr lang="zh-TW" altLang="en-US" sz="4800" b="1" dirty="0">
+                <a:solidFill>
+                  <a:srgbClr val="000066"/>
+                </a:solidFill>
+                <a:latin typeface="微軟正黑體" pitchFamily="34" charset="-120"/>
+                <a:ea typeface="微軟正黑體" pitchFamily="34" charset="-120"/>
+              </a:rPr>
+              <a:t>耶穌捉緊我雙手</a:t>
+            </a:r>
+            <a:endParaRPr lang="en-US" altLang="zh-TW" sz="4800" b="1" dirty="0">
+              <a:solidFill>
+                <a:srgbClr val="000066"/>
+              </a:solidFill>
+              <a:latin typeface="微軟正黑體" pitchFamily="34" charset="-120"/>
+              <a:ea typeface="微軟正黑體" pitchFamily="34" charset="-120"/>
+            </a:endParaRPr>
+          </a:p>
+          <a:p>
+            <a:pPr algn="ctr">
+              <a:buNone/>
+            </a:pPr>
+            <a:r>
+              <a:rPr lang="zh-TW" altLang="en-US" sz="4800" b="1" dirty="0">
+                <a:solidFill>
+                  <a:srgbClr val="000066"/>
+                </a:solidFill>
+                <a:latin typeface="微軟正黑體" pitchFamily="34" charset="-120"/>
+                <a:ea typeface="微軟正黑體" pitchFamily="34" charset="-120"/>
+              </a:rPr>
+              <a:t>仰望那財寶在天上</a:t>
+            </a:r>
+            <a:endParaRPr lang="en-US" altLang="zh-TW" sz="4800" b="1" dirty="0">
+              <a:solidFill>
+                <a:srgbClr val="000066"/>
+              </a:solidFill>
+              <a:latin typeface="微軟正黑體" pitchFamily="34" charset="-120"/>
+              <a:ea typeface="微軟正黑體" pitchFamily="34" charset="-120"/>
+            </a:endParaRPr>
+          </a:p>
+        </p:txBody>
+      </p:sp>
+      <p:sp>
+        <p:nvSpPr>
+          <p:cNvPr id="3" name="TextBox 2"/>
+          <p:cNvSpPr txBox="1"/>
+          <p:nvPr/>
+        </p:nvSpPr>
+        <p:spPr>
+          <a:xfrm>
+            <a:off x="0" y="3867895"/>
+            <a:ext cx="9144000" cy="507831"/>
+          </a:xfrm>
+          <a:prstGeom prst="rect">
+            <a:avLst/>
+          </a:prstGeom>
+          <a:noFill/>
+        </p:spPr>
+        <p:txBody>
+          <a:bodyPr wrap="square" rtlCol="0">
+            <a:spAutoFit/>
+          </a:bodyPr>
+          <a:lstStyle/>
+          <a:p>
+            <a:pPr algn="ctr"/>
+            <a:r>
+              <a:rPr lang="en-US" sz="2700" b="1" dirty="0">
+                <a:solidFill>
+                  <a:srgbClr val="000066"/>
+                </a:solidFill>
+                <a:latin typeface="Microsoft JhengHei" panose="020B0604030504040204" pitchFamily="34" charset="-120"/>
+                <a:ea typeface="Microsoft JhengHei" panose="020B0604030504040204" pitchFamily="34" charset="-120"/>
+              </a:rPr>
+              <a:t>( </a:t>
+            </a:r>
+            <a:r>
+              <a:rPr lang="zh-CN" altLang="en-US" sz="2700" b="1" dirty="0">
+                <a:solidFill>
+                  <a:srgbClr val="000066"/>
+                </a:solidFill>
+                <a:latin typeface="Microsoft JhengHei" panose="020B0604030504040204" pitchFamily="34" charset="-120"/>
+                <a:ea typeface="Microsoft JhengHei" panose="020B0604030504040204" pitchFamily="34" charset="-120"/>
+              </a:rPr>
+              <a:t>副歌</a:t>
+            </a:r>
+            <a:r>
+              <a:rPr lang="en-US" sz="2700" b="1" dirty="0">
+                <a:solidFill>
+                  <a:srgbClr val="000066"/>
+                </a:solidFill>
+                <a:latin typeface="Microsoft JhengHei" panose="020B0604030504040204" pitchFamily="34" charset="-120"/>
+                <a:ea typeface="Microsoft JhengHei" panose="020B0604030504040204" pitchFamily="34" charset="-120"/>
+              </a:rPr>
+              <a:t> )</a:t>
+            </a:r>
+            <a:endParaRPr lang="vi-VN" sz="2700" b="1" dirty="0">
+              <a:solidFill>
+                <a:srgbClr val="000066"/>
+              </a:solidFill>
+              <a:ea typeface="Microsoft JhengHei" panose="020B0604030504040204" pitchFamily="34" charset="-120"/>
+            </a:endParaRPr>
+          </a:p>
+        </p:txBody>
+      </p:sp>
+    </p:spTree>
+    <p:extLst>
+      <p:ext uri="{BB962C8B-B14F-4D97-AF65-F5344CB8AC3E}">
+        <p14:creationId xmlns:p14="http://schemas.microsoft.com/office/powerpoint/2010/main" val="3229204608"/>
+      </p:ext>
+    </p:extLst>
   </p:cSld>
   <p:clrMapOvr>
     <a:masterClrMapping/>
